--- a/misc/Cyrillic-oriented MNIST.pptx
+++ b/misc/Cyrillic-oriented MNIST.pptx
@@ -6,6 +6,9 @@
   </p:sldMasterIdLst>
   <p:sldIdLst>
     <p:sldId id="257" r:id="rId2"/>
+    <p:sldId id="259" r:id="rId3"/>
+    <p:sldId id="261" r:id="rId4"/>
+    <p:sldId id="258" r:id="rId5"/>
   </p:sldIdLst>
   <p:sldSz cx="12192000" cy="6858000"/>
   <p:notesSz cx="6858000" cy="9144000"/>
@@ -104,6 +107,11 @@
       </a:defRPr>
     </a:lvl9pPr>
   </p:defaultTextStyle>
+  <p:extLst>
+    <p:ext uri="{EFAFB233-063F-42B5-8137-9DF3F51BA10A}">
+      <p15:sldGuideLst xmlns:p15="http://schemas.microsoft.com/office/powerpoint/2012/main"/>
+    </p:ext>
+  </p:extLst>
 </p:presentation>
 </file>
 
@@ -238,7 +246,7 @@
           <a:p>
             <a:fld id="{3A152539-D4D6-4211-B619-6D48893475B5}" type="datetimeFigureOut">
               <a:rPr lang="fr-FR" smtClean="0"/>
-              <a:t>07/03/2017</a:t>
+              <a:t>14/03/2017</a:t>
             </a:fld>
             <a:endParaRPr lang="fr-FR"/>
           </a:p>
@@ -408,7 +416,7 @@
           <a:p>
             <a:fld id="{3A152539-D4D6-4211-B619-6D48893475B5}" type="datetimeFigureOut">
               <a:rPr lang="fr-FR" smtClean="0"/>
-              <a:t>07/03/2017</a:t>
+              <a:t>14/03/2017</a:t>
             </a:fld>
             <a:endParaRPr lang="fr-FR"/>
           </a:p>
@@ -588,7 +596,7 @@
           <a:p>
             <a:fld id="{3A152539-D4D6-4211-B619-6D48893475B5}" type="datetimeFigureOut">
               <a:rPr lang="fr-FR" smtClean="0"/>
-              <a:t>07/03/2017</a:t>
+              <a:t>14/03/2017</a:t>
             </a:fld>
             <a:endParaRPr lang="fr-FR"/>
           </a:p>
@@ -758,7 +766,7 @@
           <a:p>
             <a:fld id="{3A152539-D4D6-4211-B619-6D48893475B5}" type="datetimeFigureOut">
               <a:rPr lang="fr-FR" smtClean="0"/>
-              <a:t>07/03/2017</a:t>
+              <a:t>14/03/2017</a:t>
             </a:fld>
             <a:endParaRPr lang="fr-FR"/>
           </a:p>
@@ -1004,7 +1012,7 @@
           <a:p>
             <a:fld id="{3A152539-D4D6-4211-B619-6D48893475B5}" type="datetimeFigureOut">
               <a:rPr lang="fr-FR" smtClean="0"/>
-              <a:t>07/03/2017</a:t>
+              <a:t>14/03/2017</a:t>
             </a:fld>
             <a:endParaRPr lang="fr-FR"/>
           </a:p>
@@ -1236,7 +1244,7 @@
           <a:p>
             <a:fld id="{3A152539-D4D6-4211-B619-6D48893475B5}" type="datetimeFigureOut">
               <a:rPr lang="fr-FR" smtClean="0"/>
-              <a:t>07/03/2017</a:t>
+              <a:t>14/03/2017</a:t>
             </a:fld>
             <a:endParaRPr lang="fr-FR"/>
           </a:p>
@@ -1603,7 +1611,7 @@
           <a:p>
             <a:fld id="{3A152539-D4D6-4211-B619-6D48893475B5}" type="datetimeFigureOut">
               <a:rPr lang="fr-FR" smtClean="0"/>
-              <a:t>07/03/2017</a:t>
+              <a:t>14/03/2017</a:t>
             </a:fld>
             <a:endParaRPr lang="fr-FR"/>
           </a:p>
@@ -1721,7 +1729,7 @@
           <a:p>
             <a:fld id="{3A152539-D4D6-4211-B619-6D48893475B5}" type="datetimeFigureOut">
               <a:rPr lang="fr-FR" smtClean="0"/>
-              <a:t>07/03/2017</a:t>
+              <a:t>14/03/2017</a:t>
             </a:fld>
             <a:endParaRPr lang="fr-FR"/>
           </a:p>
@@ -1816,7 +1824,7 @@
           <a:p>
             <a:fld id="{3A152539-D4D6-4211-B619-6D48893475B5}" type="datetimeFigureOut">
               <a:rPr lang="fr-FR" smtClean="0"/>
-              <a:t>07/03/2017</a:t>
+              <a:t>14/03/2017</a:t>
             </a:fld>
             <a:endParaRPr lang="fr-FR"/>
           </a:p>
@@ -2093,7 +2101,7 @@
           <a:p>
             <a:fld id="{3A152539-D4D6-4211-B619-6D48893475B5}" type="datetimeFigureOut">
               <a:rPr lang="fr-FR" smtClean="0"/>
-              <a:t>07/03/2017</a:t>
+              <a:t>14/03/2017</a:t>
             </a:fld>
             <a:endParaRPr lang="fr-FR"/>
           </a:p>
@@ -2346,7 +2354,7 @@
           <a:p>
             <a:fld id="{3A152539-D4D6-4211-B619-6D48893475B5}" type="datetimeFigureOut">
               <a:rPr lang="fr-FR" smtClean="0"/>
-              <a:t>07/03/2017</a:t>
+              <a:t>14/03/2017</a:t>
             </a:fld>
             <a:endParaRPr lang="fr-FR"/>
           </a:p>
@@ -2559,7 +2567,7 @@
           <a:p>
             <a:fld id="{3A152539-D4D6-4211-B619-6D48893475B5}" type="datetimeFigureOut">
               <a:rPr lang="fr-FR" smtClean="0"/>
-              <a:t>07/03/2017</a:t>
+              <a:t>14/03/2017</a:t>
             </a:fld>
             <a:endParaRPr lang="fr-FR"/>
           </a:p>
@@ -2966,78 +2974,16 @@
       </p:grpSpPr>
       <p:sp>
         <p:nvSpPr>
-          <p:cNvPr id="2" name="Title 1"/>
-          <p:cNvSpPr>
-            <a:spLocks noGrp="1"/>
-          </p:cNvSpPr>
-          <p:nvPr>
-            <p:ph type="title"/>
-          </p:nvPr>
+          <p:cNvPr id="12" name="Content Placeholder 2"/>
+          <p:cNvSpPr txBox="1">
+            <a:spLocks/>
+          </p:cNvSpPr>
+          <p:nvPr/>
         </p:nvSpPr>
         <p:spPr>
           <a:xfrm>
-            <a:off x="4809393" y="561356"/>
-            <a:ext cx="6544407" cy="1325563"/>
-          </a:xfrm>
-        </p:spPr>
-        <p:txBody>
-          <a:bodyPr>
-            <a:normAutofit/>
-          </a:bodyPr>
-          <a:lstStyle/>
-          <a:p>
-            <a:r>
-              <a:rPr lang="fr-FR" sz="4800" b="1" dirty="0" err="1"/>
-              <a:t>Cyrillic-oriented</a:t>
-            </a:r>
-            <a:r>
-              <a:rPr lang="fr-FR" sz="4800" b="1" dirty="0"/>
-              <a:t> MNIST</a:t>
-            </a:r>
-          </a:p>
-        </p:txBody>
-      </p:sp>
-      <p:pic>
-        <p:nvPicPr>
-          <p:cNvPr id="4" name="Content Placeholder 3"/>
-          <p:cNvPicPr>
-            <a:picLocks noGrp="1" noChangeAspect="1"/>
-          </p:cNvPicPr>
-          <p:nvPr>
-            <p:ph idx="1"/>
-          </p:nvPr>
-        </p:nvPicPr>
-        <p:blipFill>
-          <a:blip r:embed="rId2">
-            <a:extLst>
-              <a:ext uri="{28A0092B-C50C-407E-A947-70E740481C1C}">
-                <a14:useLocalDpi xmlns:a14="http://schemas.microsoft.com/office/drawing/2010/main" val="0"/>
-              </a:ext>
-            </a:extLst>
-          </a:blip>
-          <a:stretch>
-            <a:fillRect/>
-          </a:stretch>
-        </p:blipFill>
-        <p:spPr>
-          <a:xfrm>
-            <a:off x="289806" y="0"/>
-            <a:ext cx="4000839" cy="2448275"/>
-          </a:xfrm>
-        </p:spPr>
-      </p:pic>
-      <p:sp>
-        <p:nvSpPr>
-          <p:cNvPr id="5" name="Content Placeholder 2"/>
-          <p:cNvSpPr txBox="1">
-            <a:spLocks/>
-          </p:cNvSpPr>
-          <p:nvPr/>
-        </p:nvSpPr>
-        <p:spPr>
-          <a:xfrm>
-            <a:off x="1705708" y="2448275"/>
-            <a:ext cx="9648092" cy="3728687"/>
+            <a:off x="441434" y="3909848"/>
+            <a:ext cx="11193518" cy="2424767"/>
           </a:xfrm>
           <a:prstGeom prst="rect">
             <a:avLst/>
@@ -3045,7 +2991,7 @@
         </p:spPr>
         <p:txBody>
           <a:bodyPr vert="horz" lIns="91440" tIns="45720" rIns="91440" bIns="45720" rtlCol="0">
-            <a:normAutofit fontScale="92500" lnSpcReduction="20000"/>
+            <a:normAutofit lnSpcReduction="10000"/>
           </a:bodyPr>
           <a:lstStyle>
             <a:lvl1pPr marL="228600" indent="-228600" algn="l" defTabSz="914400" rtl="0" eaLnBrk="1" latinLnBrk="0" hangingPunct="1">
@@ -3212,238 +3158,3544 @@
             </a:lvl9pPr>
           </a:lstStyle>
           <a:p>
-            <a:r>
-              <a:rPr lang="fr-FR" sz="3600" dirty="0"/>
-              <a:t>Objectives</a:t>
+            <a:pPr marL="0" indent="0">
+              <a:buNone/>
+            </a:pPr>
+            <a:endParaRPr lang="fr-FR" sz="4400" b="1" dirty="0"/>
+          </a:p>
+          <a:p>
+            <a:pPr marL="0" indent="0">
+              <a:buNone/>
+            </a:pPr>
+            <a:r>
+              <a:rPr lang="fr-FR" sz="4400" b="1" dirty="0" err="1"/>
+              <a:t>Requirements</a:t>
+            </a:r>
+            <a:r>
+              <a:rPr lang="fr-FR" sz="4400" b="1" dirty="0"/>
+              <a:t>:</a:t>
             </a:r>
           </a:p>
           <a:p>
             <a:pPr lvl="1"/>
             <a:r>
-              <a:rPr lang="fr-FR" sz="3000" dirty="0" err="1"/>
+              <a:rPr lang="fr-FR" sz="4000" dirty="0" err="1"/>
               <a:t>Build</a:t>
             </a:r>
             <a:r>
-              <a:rPr lang="fr-FR" sz="3000" dirty="0"/>
-              <a:t> a </a:t>
-            </a:r>
-            <a:r>
-              <a:rPr lang="fr-FR" sz="3000" dirty="0" err="1"/>
-              <a:t>creative</a:t>
-            </a:r>
-            <a:r>
-              <a:rPr lang="fr-FR" sz="3000" dirty="0"/>
+              <a:rPr lang="fr-FR" sz="4000" dirty="0"/>
+              <a:t> a version of MNIST for </a:t>
+            </a:r>
+            <a:r>
+              <a:rPr lang="fr-FR" sz="4000" dirty="0" err="1"/>
+              <a:t>cyrillic</a:t>
+            </a:r>
+            <a:r>
+              <a:rPr lang="fr-FR" sz="4000" dirty="0"/>
+              <a:t> &amp; latin</a:t>
+            </a:r>
+          </a:p>
+          <a:p>
+            <a:pPr lvl="1"/>
+            <a:r>
+              <a:rPr lang="fr-FR" sz="4000" dirty="0" err="1"/>
+              <a:t>Develop</a:t>
+            </a:r>
+            <a:r>
+              <a:rPr lang="fr-FR" sz="4000" dirty="0"/>
+              <a:t> a hand-</a:t>
+            </a:r>
+            <a:r>
+              <a:rPr lang="fr-FR" sz="4000" dirty="0" err="1"/>
+              <a:t>written</a:t>
+            </a:r>
+            <a:r>
+              <a:rPr lang="fr-FR" sz="4000" dirty="0"/>
               <a:t> </a:t>
             </a:r>
             <a:r>
-              <a:rPr lang="fr-FR" sz="3000" dirty="0" err="1"/>
-              <a:t>commons</a:t>
-            </a:r>
-            <a:r>
-              <a:rPr lang="fr-FR" sz="3000" dirty="0"/>
-              <a:t> version of MNIST </a:t>
-            </a:r>
-            <a:r>
-              <a:rPr lang="fr-FR" sz="3000" dirty="0" err="1"/>
-              <a:t>dataset</a:t>
-            </a:r>
-            <a:r>
-              <a:rPr lang="fr-FR" sz="3000" dirty="0"/>
-              <a:t> (latin &amp; </a:t>
-            </a:r>
-            <a:r>
-              <a:rPr lang="fr-FR" sz="3000" dirty="0" err="1"/>
-              <a:t>cyrillic</a:t>
-            </a:r>
-            <a:r>
-              <a:rPr lang="fr-FR" sz="3000" dirty="0"/>
-              <a:t>) </a:t>
-            </a:r>
-            <a:r>
-              <a:rPr lang="fr-FR" sz="3000" dirty="0" err="1"/>
-              <a:t>with</a:t>
-            </a:r>
-            <a:r>
-              <a:rPr lang="fr-FR" sz="3000" dirty="0"/>
-              <a:t> 50,000+ items</a:t>
-            </a:r>
-          </a:p>
-          <a:p>
-            <a:pPr lvl="1"/>
-            <a:r>
-              <a:rPr lang="fr-FR" sz="3000" dirty="0" err="1"/>
+              <a:rPr lang="fr-FR" sz="4000" dirty="0" err="1"/>
+              <a:t>text</a:t>
+            </a:r>
+            <a:r>
+              <a:rPr lang="fr-FR" sz="4000" dirty="0"/>
+              <a:t> recognition </a:t>
+            </a:r>
+            <a:r>
+              <a:rPr lang="fr-FR" sz="4000" dirty="0" err="1"/>
+              <a:t>engine</a:t>
+            </a:r>
+            <a:endParaRPr lang="fr-FR" sz="2400" dirty="0"/>
+          </a:p>
+        </p:txBody>
+      </p:sp>
+      <p:sp>
+        <p:nvSpPr>
+          <p:cNvPr id="2" name="Title 1"/>
+          <p:cNvSpPr>
+            <a:spLocks noGrp="1"/>
+          </p:cNvSpPr>
+          <p:nvPr>
+            <p:ph type="title"/>
+          </p:nvPr>
+        </p:nvSpPr>
+        <p:spPr>
+          <a:xfrm>
+            <a:off x="4410002" y="658017"/>
+            <a:ext cx="6544407" cy="2809081"/>
+          </a:xfrm>
+        </p:spPr>
+        <p:txBody>
+          <a:bodyPr>
+            <a:normAutofit/>
+          </a:bodyPr>
+          <a:lstStyle/>
+          <a:p>
+            <a:r>
+              <a:rPr lang="fr-FR" b="1" dirty="0" err="1"/>
+              <a:t>PyData</a:t>
+            </a:r>
+            <a:r>
+              <a:rPr lang="fr-FR" b="1" dirty="0"/>
+              <a:t> Berlin </a:t>
+            </a:r>
+            <a:r>
+              <a:rPr lang="fr-FR" b="1" dirty="0" err="1"/>
+              <a:t>Meetup</a:t>
+            </a:r>
+            <a:br>
+              <a:rPr lang="fr-FR" b="1" dirty="0"/>
+            </a:br>
+            <a:r>
+              <a:rPr lang="fr-FR" sz="3200" b="1" dirty="0"/>
+              <a:t>March 15th, 2017</a:t>
+            </a:r>
+            <a:br>
+              <a:rPr lang="fr-FR" sz="3600" b="1" dirty="0"/>
+            </a:br>
+            <a:r>
+              <a:rPr lang="fr-FR" sz="3600" b="1" dirty="0"/>
+              <a:t>Grégory Vial - ds@gregvi.al</a:t>
+            </a:r>
+            <a:br>
+              <a:rPr lang="fr-FR" sz="3600" b="1" dirty="0"/>
+            </a:br>
+            <a:endParaRPr lang="fr-FR" sz="4800" b="1" dirty="0"/>
+          </a:p>
+        </p:txBody>
+      </p:sp>
+      <p:sp>
+        <p:nvSpPr>
+          <p:cNvPr id="5" name="Content Placeholder 2"/>
+          <p:cNvSpPr txBox="1">
+            <a:spLocks/>
+          </p:cNvSpPr>
+          <p:nvPr/>
+        </p:nvSpPr>
+        <p:spPr>
+          <a:xfrm>
+            <a:off x="441434" y="3909848"/>
+            <a:ext cx="11193518" cy="1072055"/>
+          </a:xfrm>
+          <a:prstGeom prst="rect">
+            <a:avLst/>
+          </a:prstGeom>
+        </p:spPr>
+        <p:txBody>
+          <a:bodyPr vert="horz" lIns="91440" tIns="45720" rIns="91440" bIns="45720" rtlCol="0">
+            <a:normAutofit/>
+          </a:bodyPr>
+          <a:lstStyle>
+            <a:lvl1pPr marL="228600" indent="-228600" algn="l" defTabSz="914400" rtl="0" eaLnBrk="1" latinLnBrk="0" hangingPunct="1">
+              <a:lnSpc>
+                <a:spcPct val="90000"/>
+              </a:lnSpc>
+              <a:spcBef>
+                <a:spcPts val="1000"/>
+              </a:spcBef>
+              <a:buFont typeface="Arial" panose="020B0604020202020204" pitchFamily="34" charset="0"/>
+              <a:buChar char="•"/>
+              <a:defRPr sz="2800" kern="1200">
+                <a:solidFill>
+                  <a:schemeClr val="tx1"/>
+                </a:solidFill>
+                <a:latin typeface="+mn-lt"/>
+                <a:ea typeface="+mn-ea"/>
+                <a:cs typeface="+mn-cs"/>
+              </a:defRPr>
+            </a:lvl1pPr>
+            <a:lvl2pPr marL="685800" indent="-228600" algn="l" defTabSz="914400" rtl="0" eaLnBrk="1" latinLnBrk="0" hangingPunct="1">
+              <a:lnSpc>
+                <a:spcPct val="90000"/>
+              </a:lnSpc>
+              <a:spcBef>
+                <a:spcPts val="500"/>
+              </a:spcBef>
+              <a:buFont typeface="Arial" panose="020B0604020202020204" pitchFamily="34" charset="0"/>
+              <a:buChar char="•"/>
+              <a:defRPr sz="2400" kern="1200">
+                <a:solidFill>
+                  <a:schemeClr val="tx1"/>
+                </a:solidFill>
+                <a:latin typeface="+mn-lt"/>
+                <a:ea typeface="+mn-ea"/>
+                <a:cs typeface="+mn-cs"/>
+              </a:defRPr>
+            </a:lvl2pPr>
+            <a:lvl3pPr marL="1143000" indent="-228600" algn="l" defTabSz="914400" rtl="0" eaLnBrk="1" latinLnBrk="0" hangingPunct="1">
+              <a:lnSpc>
+                <a:spcPct val="90000"/>
+              </a:lnSpc>
+              <a:spcBef>
+                <a:spcPts val="500"/>
+              </a:spcBef>
+              <a:buFont typeface="Arial" panose="020B0604020202020204" pitchFamily="34" charset="0"/>
+              <a:buChar char="•"/>
+              <a:defRPr sz="2000" kern="1200">
+                <a:solidFill>
+                  <a:schemeClr val="tx1"/>
+                </a:solidFill>
+                <a:latin typeface="+mn-lt"/>
+                <a:ea typeface="+mn-ea"/>
+                <a:cs typeface="+mn-cs"/>
+              </a:defRPr>
+            </a:lvl3pPr>
+            <a:lvl4pPr marL="1600200" indent="-228600" algn="l" defTabSz="914400" rtl="0" eaLnBrk="1" latinLnBrk="0" hangingPunct="1">
+              <a:lnSpc>
+                <a:spcPct val="90000"/>
+              </a:lnSpc>
+              <a:spcBef>
+                <a:spcPts val="500"/>
+              </a:spcBef>
+              <a:buFont typeface="Arial" panose="020B0604020202020204" pitchFamily="34" charset="0"/>
+              <a:buChar char="•"/>
+              <a:defRPr sz="1800" kern="1200">
+                <a:solidFill>
+                  <a:schemeClr val="tx1"/>
+                </a:solidFill>
+                <a:latin typeface="+mn-lt"/>
+                <a:ea typeface="+mn-ea"/>
+                <a:cs typeface="+mn-cs"/>
+              </a:defRPr>
+            </a:lvl4pPr>
+            <a:lvl5pPr marL="2057400" indent="-228600" algn="l" defTabSz="914400" rtl="0" eaLnBrk="1" latinLnBrk="0" hangingPunct="1">
+              <a:lnSpc>
+                <a:spcPct val="90000"/>
+              </a:lnSpc>
+              <a:spcBef>
+                <a:spcPts val="500"/>
+              </a:spcBef>
+              <a:buFont typeface="Arial" panose="020B0604020202020204" pitchFamily="34" charset="0"/>
+              <a:buChar char="•"/>
+              <a:defRPr sz="1800" kern="1200">
+                <a:solidFill>
+                  <a:schemeClr val="tx1"/>
+                </a:solidFill>
+                <a:latin typeface="+mn-lt"/>
+                <a:ea typeface="+mn-ea"/>
+                <a:cs typeface="+mn-cs"/>
+              </a:defRPr>
+            </a:lvl5pPr>
+            <a:lvl6pPr marL="2514600" indent="-228600" algn="l" defTabSz="914400" rtl="0" eaLnBrk="1" latinLnBrk="0" hangingPunct="1">
+              <a:lnSpc>
+                <a:spcPct val="90000"/>
+              </a:lnSpc>
+              <a:spcBef>
+                <a:spcPts val="500"/>
+              </a:spcBef>
+              <a:buFont typeface="Arial" panose="020B0604020202020204" pitchFamily="34" charset="0"/>
+              <a:buChar char="•"/>
+              <a:defRPr sz="1800" kern="1200">
+                <a:solidFill>
+                  <a:schemeClr val="tx1"/>
+                </a:solidFill>
+                <a:latin typeface="+mn-lt"/>
+                <a:ea typeface="+mn-ea"/>
+                <a:cs typeface="+mn-cs"/>
+              </a:defRPr>
+            </a:lvl6pPr>
+            <a:lvl7pPr marL="2971800" indent="-228600" algn="l" defTabSz="914400" rtl="0" eaLnBrk="1" latinLnBrk="0" hangingPunct="1">
+              <a:lnSpc>
+                <a:spcPct val="90000"/>
+              </a:lnSpc>
+              <a:spcBef>
+                <a:spcPts val="500"/>
+              </a:spcBef>
+              <a:buFont typeface="Arial" panose="020B0604020202020204" pitchFamily="34" charset="0"/>
+              <a:buChar char="•"/>
+              <a:defRPr sz="1800" kern="1200">
+                <a:solidFill>
+                  <a:schemeClr val="tx1"/>
+                </a:solidFill>
+                <a:latin typeface="+mn-lt"/>
+                <a:ea typeface="+mn-ea"/>
+                <a:cs typeface="+mn-cs"/>
+              </a:defRPr>
+            </a:lvl7pPr>
+            <a:lvl8pPr marL="3429000" indent="-228600" algn="l" defTabSz="914400" rtl="0" eaLnBrk="1" latinLnBrk="0" hangingPunct="1">
+              <a:lnSpc>
+                <a:spcPct val="90000"/>
+              </a:lnSpc>
+              <a:spcBef>
+                <a:spcPts val="500"/>
+              </a:spcBef>
+              <a:buFont typeface="Arial" panose="020B0604020202020204" pitchFamily="34" charset="0"/>
+              <a:buChar char="•"/>
+              <a:defRPr sz="1800" kern="1200">
+                <a:solidFill>
+                  <a:schemeClr val="tx1"/>
+                </a:solidFill>
+                <a:latin typeface="+mn-lt"/>
+                <a:ea typeface="+mn-ea"/>
+                <a:cs typeface="+mn-cs"/>
+              </a:defRPr>
+            </a:lvl8pPr>
+            <a:lvl9pPr marL="3886200" indent="-228600" algn="l" defTabSz="914400" rtl="0" eaLnBrk="1" latinLnBrk="0" hangingPunct="1">
+              <a:lnSpc>
+                <a:spcPct val="90000"/>
+              </a:lnSpc>
+              <a:spcBef>
+                <a:spcPts val="500"/>
+              </a:spcBef>
+              <a:buFont typeface="Arial" panose="020B0604020202020204" pitchFamily="34" charset="0"/>
+              <a:buChar char="•"/>
+              <a:defRPr sz="1800" kern="1200">
+                <a:solidFill>
+                  <a:schemeClr val="tx1"/>
+                </a:solidFill>
+                <a:latin typeface="+mn-lt"/>
+                <a:ea typeface="+mn-ea"/>
+                <a:cs typeface="+mn-cs"/>
+              </a:defRPr>
+            </a:lvl9pPr>
+          </a:lstStyle>
+          <a:p>
+            <a:pPr marL="0" indent="0">
+              <a:buNone/>
+            </a:pPr>
+            <a:r>
+              <a:rPr lang="fr-FR" sz="4400" b="1" dirty="0"/>
+              <a:t>Objective: </a:t>
+            </a:r>
+            <a:r>
+              <a:rPr lang="fr-FR" sz="4400" b="1" dirty="0" err="1"/>
               <a:t>Develop</a:t>
             </a:r>
             <a:r>
-              <a:rPr lang="fr-FR" sz="3000" dirty="0"/>
-              <a:t> an open-source </a:t>
-            </a:r>
-            <a:r>
-              <a:rPr lang="fr-FR" sz="3000" dirty="0" err="1"/>
-              <a:t>letter</a:t>
-            </a:r>
-            <a:r>
-              <a:rPr lang="fr-FR" sz="3000" dirty="0"/>
-              <a:t>/</a:t>
-            </a:r>
-            <a:r>
-              <a:rPr lang="fr-FR" sz="3000" dirty="0" err="1"/>
-              <a:t>words</a:t>
-            </a:r>
-            <a:r>
-              <a:rPr lang="fr-FR" sz="3000" dirty="0"/>
-              <a:t> recognition </a:t>
-            </a:r>
-            <a:r>
-              <a:rPr lang="fr-FR" sz="3000" dirty="0" err="1"/>
-              <a:t>engine</a:t>
-            </a:r>
-            <a:r>
-              <a:rPr lang="fr-FR" sz="3000" dirty="0"/>
+              <a:rPr lang="fr-FR" sz="4400" b="1" dirty="0"/>
+              <a:t> an </a:t>
+            </a:r>
+            <a:r>
+              <a:rPr lang="fr-FR" sz="4400" b="1" dirty="0" err="1"/>
+              <a:t>app</a:t>
+            </a:r>
+            <a:r>
+              <a:rPr lang="fr-FR" sz="4400" b="1" dirty="0"/>
+              <a:t> to </a:t>
+            </a:r>
+            <a:r>
+              <a:rPr lang="fr-FR" sz="4400" b="1" dirty="0" err="1"/>
+              <a:t>teach</a:t>
+            </a:r>
+            <a:r>
+              <a:rPr lang="fr-FR" sz="4400" b="1" dirty="0"/>
               <a:t> </a:t>
             </a:r>
             <a:r>
-              <a:rPr lang="fr-FR" sz="3000" dirty="0" err="1"/>
-              <a:t>based</a:t>
-            </a:r>
-            <a:r>
-              <a:rPr lang="fr-FR" sz="3000" dirty="0"/>
-              <a:t> on </a:t>
-            </a:r>
-            <a:r>
-              <a:rPr lang="fr-FR" sz="3000" dirty="0" err="1"/>
-              <a:t>this</a:t>
-            </a:r>
-            <a:r>
-              <a:rPr lang="fr-FR" sz="3000" dirty="0"/>
-              <a:t> </a:t>
-            </a:r>
-            <a:r>
-              <a:rPr lang="fr-FR" sz="3000" dirty="0" err="1"/>
-              <a:t>dataset</a:t>
-            </a:r>
-            <a:endParaRPr lang="fr-FR" sz="3000" dirty="0"/>
-          </a:p>
-          <a:p>
-            <a:r>
-              <a:rPr lang="fr-FR" sz="3600" dirty="0"/>
-              <a:t>How </a:t>
-            </a:r>
-            <a:r>
-              <a:rPr lang="fr-FR" sz="3600" dirty="0" err="1"/>
-              <a:t>can</a:t>
-            </a:r>
-            <a:r>
-              <a:rPr lang="fr-FR" sz="3600" dirty="0"/>
-              <a:t> </a:t>
-            </a:r>
-            <a:r>
-              <a:rPr lang="fr-FR" sz="3600" dirty="0" err="1"/>
-              <a:t>you</a:t>
-            </a:r>
-            <a:r>
-              <a:rPr lang="fr-FR" sz="3600" dirty="0"/>
-              <a:t> help?</a:t>
-            </a:r>
-          </a:p>
-          <a:p>
-            <a:pPr lvl="1"/>
-            <a:r>
-              <a:rPr lang="fr-FR" sz="3000" dirty="0"/>
-              <a:t>Help me </a:t>
-            </a:r>
-            <a:r>
-              <a:rPr lang="fr-FR" sz="3000" dirty="0" err="1"/>
-              <a:t>build</a:t>
-            </a:r>
-            <a:r>
-              <a:rPr lang="fr-FR" sz="3000" dirty="0"/>
-              <a:t> the </a:t>
-            </a:r>
-            <a:r>
-              <a:rPr lang="fr-FR" sz="3000" dirty="0" err="1"/>
-              <a:t>dataset</a:t>
-            </a:r>
-            <a:r>
-              <a:rPr lang="fr-FR" sz="3000" dirty="0"/>
-              <a:t> by </a:t>
-            </a:r>
-            <a:r>
-              <a:rPr lang="fr-FR" sz="3000" dirty="0" err="1"/>
-              <a:t>drawing</a:t>
-            </a:r>
-            <a:r>
-              <a:rPr lang="fr-FR" sz="3000" dirty="0"/>
-              <a:t> </a:t>
-            </a:r>
-            <a:r>
-              <a:rPr lang="fr-FR" sz="3000" dirty="0" err="1"/>
-              <a:t>letters</a:t>
-            </a:r>
-            <a:r>
-              <a:rPr lang="fr-FR" sz="3000" dirty="0"/>
-              <a:t>:</a:t>
-            </a:r>
-          </a:p>
-          <a:p>
-            <a:pPr lvl="2"/>
-            <a:r>
-              <a:rPr lang="fr-FR" sz="2600" dirty="0"/>
-              <a:t>Latin: </a:t>
-            </a:r>
-            <a:r>
-              <a:rPr lang="fr-FR" sz="2600" dirty="0">
-                <a:hlinkClick r:id="rId3"/>
-              </a:rPr>
-              <a:t>http://comnist.gregvi.al</a:t>
-            </a:r>
-            <a:endParaRPr lang="fr-FR" sz="2600" dirty="0"/>
-          </a:p>
-          <a:p>
-            <a:pPr lvl="2"/>
-            <a:r>
-              <a:rPr lang="fr-FR" sz="2600" dirty="0" err="1"/>
-              <a:t>Cyrillic</a:t>
-            </a:r>
-            <a:r>
-              <a:rPr lang="fr-FR" sz="2600" dirty="0"/>
-              <a:t> :</a:t>
-            </a:r>
-            <a:r>
-              <a:rPr lang="fr-FR" sz="2600" dirty="0">
-                <a:hlinkClick r:id="rId4"/>
-              </a:rPr>
-              <a:t>http://comnist.gregvi.al/?ru</a:t>
-            </a:r>
-            <a:endParaRPr lang="fr-FR" sz="2600" dirty="0"/>
-          </a:p>
-          <a:p>
-            <a:r>
-              <a:rPr lang="fr-FR" sz="3600" dirty="0" err="1"/>
-              <a:t>Find</a:t>
-            </a:r>
-            <a:r>
-              <a:rPr lang="fr-FR" sz="3600" dirty="0"/>
-              <a:t> out more on </a:t>
-            </a:r>
-            <a:r>
-              <a:rPr lang="fr-FR" dirty="0">
-                <a:hlinkClick r:id="rId5"/>
-              </a:rPr>
-              <a:t>https://github.com/GregVial/CoMNIST</a:t>
-            </a:r>
-            <a:endParaRPr lang="fr-FR" dirty="0"/>
-          </a:p>
-          <a:p>
-            <a:pPr lvl="2"/>
-            <a:endParaRPr lang="fr-FR" dirty="0"/>
-          </a:p>
-        </p:txBody>
-      </p:sp>
+              <a:rPr lang="fr-FR" sz="4400" b="1" dirty="0" err="1"/>
+              <a:t>Russian</a:t>
+            </a:r>
+            <a:endParaRPr lang="fr-FR" sz="4400" b="1" dirty="0"/>
+          </a:p>
+        </p:txBody>
+      </p:sp>
+      <p:pic>
+        <p:nvPicPr>
+          <p:cNvPr id="11" name="Picture 10"/>
+          <p:cNvPicPr>
+            <a:picLocks noChangeAspect="1"/>
+          </p:cNvPicPr>
+          <p:nvPr/>
+        </p:nvPicPr>
+        <p:blipFill>
+          <a:blip r:embed="rId2"/>
+          <a:stretch>
+            <a:fillRect/>
+          </a:stretch>
+        </p:blipFill>
+        <p:spPr>
+          <a:xfrm>
+            <a:off x="630620" y="52771"/>
+            <a:ext cx="3091932" cy="3804526"/>
+          </a:xfrm>
+          <a:prstGeom prst="rect">
+            <a:avLst/>
+          </a:prstGeom>
+        </p:spPr>
+      </p:pic>
     </p:spTree>
     <p:extLst>
       <p:ext uri="{BB962C8B-B14F-4D97-AF65-F5344CB8AC3E}">
         <p14:creationId xmlns:p14="http://schemas.microsoft.com/office/powerpoint/2010/main" val="3800080386"/>
+      </p:ext>
+    </p:extLst>
+  </p:cSld>
+  <p:clrMapOvr>
+    <a:masterClrMapping/>
+  </p:clrMapOvr>
+  <p:timing>
+    <p:tnLst>
+      <p:par>
+        <p:cTn id="1" dur="indefinite" restart="never" nodeType="tmRoot">
+          <p:childTnLst>
+            <p:seq concurrent="1" nextAc="seek">
+              <p:cTn id="2" dur="indefinite" nodeType="mainSeq">
+                <p:childTnLst>
+                  <p:par>
+                    <p:cTn id="3" fill="hold">
+                      <p:stCondLst>
+                        <p:cond delay="indefinite"/>
+                      </p:stCondLst>
+                      <p:childTnLst>
+                        <p:par>
+                          <p:cTn id="4" fill="hold">
+                            <p:stCondLst>
+                              <p:cond delay="0"/>
+                            </p:stCondLst>
+                            <p:childTnLst>
+                              <p:par>
+                                <p:cTn id="5" presetID="1" presetClass="entr" presetSubtype="0" fill="hold" grpId="0" nodeType="clickEffect">
+                                  <p:stCondLst>
+                                    <p:cond delay="0"/>
+                                  </p:stCondLst>
+                                  <p:childTnLst>
+                                    <p:set>
+                                      <p:cBhvr>
+                                        <p:cTn id="6" dur="1" fill="hold">
+                                          <p:stCondLst>
+                                            <p:cond delay="0"/>
+                                          </p:stCondLst>
+                                        </p:cTn>
+                                        <p:tgtEl>
+                                          <p:spTgt spid="5"/>
+                                        </p:tgtEl>
+                                        <p:attrNameLst>
+                                          <p:attrName>style.visibility</p:attrName>
+                                        </p:attrNameLst>
+                                      </p:cBhvr>
+                                      <p:to>
+                                        <p:strVal val="visible"/>
+                                      </p:to>
+                                    </p:set>
+                                  </p:childTnLst>
+                                </p:cTn>
+                              </p:par>
+                            </p:childTnLst>
+                          </p:cTn>
+                        </p:par>
+                      </p:childTnLst>
+                    </p:cTn>
+                  </p:par>
+                  <p:par>
+                    <p:cTn id="7" fill="hold">
+                      <p:stCondLst>
+                        <p:cond delay="indefinite"/>
+                      </p:stCondLst>
+                      <p:childTnLst>
+                        <p:par>
+                          <p:cTn id="8" fill="hold">
+                            <p:stCondLst>
+                              <p:cond delay="0"/>
+                            </p:stCondLst>
+                            <p:childTnLst>
+                              <p:par>
+                                <p:cTn id="9" presetID="1" presetClass="entr" presetSubtype="0" fill="hold" grpId="0" nodeType="clickEffect">
+                                  <p:stCondLst>
+                                    <p:cond delay="0"/>
+                                  </p:stCondLst>
+                                  <p:childTnLst>
+                                    <p:set>
+                                      <p:cBhvr>
+                                        <p:cTn id="10" dur="1" fill="hold">
+                                          <p:stCondLst>
+                                            <p:cond delay="0"/>
+                                          </p:stCondLst>
+                                        </p:cTn>
+                                        <p:tgtEl>
+                                          <p:spTgt spid="12"/>
+                                        </p:tgtEl>
+                                        <p:attrNameLst>
+                                          <p:attrName>style.visibility</p:attrName>
+                                        </p:attrNameLst>
+                                      </p:cBhvr>
+                                      <p:to>
+                                        <p:strVal val="visible"/>
+                                      </p:to>
+                                    </p:set>
+                                  </p:childTnLst>
+                                </p:cTn>
+                              </p:par>
+                            </p:childTnLst>
+                          </p:cTn>
+                        </p:par>
+                      </p:childTnLst>
+                    </p:cTn>
+                  </p:par>
+                </p:childTnLst>
+              </p:cTn>
+              <p:prevCondLst>
+                <p:cond evt="onPrev" delay="0">
+                  <p:tgtEl>
+                    <p:sldTgt/>
+                  </p:tgtEl>
+                </p:cond>
+              </p:prevCondLst>
+              <p:nextCondLst>
+                <p:cond evt="onNext" delay="0">
+                  <p:tgtEl>
+                    <p:sldTgt/>
+                  </p:tgtEl>
+                </p:cond>
+              </p:nextCondLst>
+            </p:seq>
+          </p:childTnLst>
+        </p:cTn>
+      </p:par>
+    </p:tnLst>
+    <p:bldLst>
+      <p:bldP spid="12" grpId="0"/>
+      <p:bldP spid="5" grpId="0"/>
+    </p:bldLst>
+  </p:timing>
+</p:sld>
+</file>
+
+<file path=ppt/slides/slide2.xml><?xml version="1.0" encoding="utf-8"?>
+<p:sld xmlns:a="http://schemas.openxmlformats.org/drawingml/2006/main" xmlns:r="http://schemas.openxmlformats.org/officeDocument/2006/relationships" xmlns:p="http://schemas.openxmlformats.org/presentationml/2006/main">
+  <p:cSld>
+    <p:spTree>
+      <p:nvGrpSpPr>
+        <p:cNvPr id="1" name=""/>
+        <p:cNvGrpSpPr/>
+        <p:nvPr/>
+      </p:nvGrpSpPr>
+      <p:grpSpPr>
+        <a:xfrm>
+          <a:off x="0" y="0"/>
+          <a:ext cx="0" cy="0"/>
+          <a:chOff x="0" y="0"/>
+          <a:chExt cx="0" cy="0"/>
+        </a:xfrm>
+      </p:grpSpPr>
+      <p:sp>
+        <p:nvSpPr>
+          <p:cNvPr id="2" name="Title 1"/>
+          <p:cNvSpPr>
+            <a:spLocks noGrp="1"/>
+          </p:cNvSpPr>
+          <p:nvPr>
+            <p:ph type="title"/>
+          </p:nvPr>
+        </p:nvSpPr>
+        <p:spPr>
+          <a:xfrm>
+            <a:off x="4809393" y="561356"/>
+            <a:ext cx="6544407" cy="1325563"/>
+          </a:xfrm>
+        </p:spPr>
+        <p:txBody>
+          <a:bodyPr>
+            <a:normAutofit/>
+          </a:bodyPr>
+          <a:lstStyle/>
+          <a:p>
+            <a:r>
+              <a:rPr lang="fr-FR" sz="4800" b="1" dirty="0" err="1"/>
+              <a:t>Cyrillic-oriented</a:t>
+            </a:r>
+            <a:r>
+              <a:rPr lang="fr-FR" sz="4800" b="1" dirty="0"/>
+              <a:t> MNIST</a:t>
+            </a:r>
+          </a:p>
+        </p:txBody>
+      </p:sp>
+      <p:pic>
+        <p:nvPicPr>
+          <p:cNvPr id="4" name="Content Placeholder 3"/>
+          <p:cNvPicPr>
+            <a:picLocks noGrp="1" noChangeAspect="1"/>
+          </p:cNvPicPr>
+          <p:nvPr>
+            <p:ph idx="1"/>
+          </p:nvPr>
+        </p:nvPicPr>
+        <p:blipFill>
+          <a:blip r:embed="rId2">
+            <a:extLst>
+              <a:ext uri="{28A0092B-C50C-407E-A947-70E740481C1C}">
+                <a14:useLocalDpi xmlns:a14="http://schemas.microsoft.com/office/drawing/2010/main" val="0"/>
+              </a:ext>
+            </a:extLst>
+          </a:blip>
+          <a:stretch>
+            <a:fillRect/>
+          </a:stretch>
+        </p:blipFill>
+        <p:spPr>
+          <a:xfrm>
+            <a:off x="289806" y="0"/>
+            <a:ext cx="4000839" cy="2448275"/>
+          </a:xfrm>
+        </p:spPr>
+      </p:pic>
+      <p:pic>
+        <p:nvPicPr>
+          <p:cNvPr id="3" name="Picture 2"/>
+          <p:cNvPicPr>
+            <a:picLocks noChangeAspect="1"/>
+          </p:cNvPicPr>
+          <p:nvPr/>
+        </p:nvPicPr>
+        <p:blipFill>
+          <a:blip r:embed="rId3"/>
+          <a:stretch>
+            <a:fillRect/>
+          </a:stretch>
+        </p:blipFill>
+        <p:spPr>
+          <a:xfrm>
+            <a:off x="708021" y="2903136"/>
+            <a:ext cx="2190347" cy="2324820"/>
+          </a:xfrm>
+          <a:prstGeom prst="rect">
+            <a:avLst/>
+          </a:prstGeom>
+          <a:solidFill>
+            <a:srgbClr val="FFFFFF">
+              <a:shade val="85000"/>
+            </a:srgbClr>
+          </a:solidFill>
+          <a:ln w="88900" cap="sq">
+            <a:solidFill>
+              <a:srgbClr val="FFFFFF"/>
+            </a:solidFill>
+            <a:miter lim="800000"/>
+          </a:ln>
+          <a:effectLst>
+            <a:outerShdw blurRad="55000" dist="18000" dir="5400000" algn="tl" rotWithShape="0">
+              <a:srgbClr val="000000">
+                <a:alpha val="40000"/>
+              </a:srgbClr>
+            </a:outerShdw>
+          </a:effectLst>
+          <a:scene3d>
+            <a:camera prst="orthographicFront"/>
+            <a:lightRig rig="twoPt" dir="t">
+              <a:rot lat="0" lon="0" rev="7200000"/>
+            </a:lightRig>
+          </a:scene3d>
+          <a:sp3d>
+            <a:bevelT w="25400" h="19050"/>
+            <a:contourClr>
+              <a:srgbClr val="FFFFFF"/>
+            </a:contourClr>
+          </a:sp3d>
+        </p:spPr>
+      </p:pic>
+      <p:sp>
+        <p:nvSpPr>
+          <p:cNvPr id="6" name="TextBox 5"/>
+          <p:cNvSpPr txBox="1"/>
+          <p:nvPr/>
+        </p:nvSpPr>
+        <p:spPr>
+          <a:xfrm>
+            <a:off x="518744" y="5320370"/>
+            <a:ext cx="2681655" cy="954107"/>
+          </a:xfrm>
+          <a:prstGeom prst="rect">
+            <a:avLst/>
+          </a:prstGeom>
+          <a:noFill/>
+        </p:spPr>
+        <p:txBody>
+          <a:bodyPr wrap="square" rtlCol="0">
+            <a:spAutoFit/>
+          </a:bodyPr>
+          <a:lstStyle/>
+          <a:p>
+            <a:pPr algn="ctr"/>
+            <a:r>
+              <a:rPr lang="fr-FR" sz="2800" b="1" dirty="0"/>
+              <a:t>Web page w/ </a:t>
+            </a:r>
+            <a:r>
+              <a:rPr lang="fr-FR" sz="2800" b="1" dirty="0" err="1"/>
+              <a:t>gamification</a:t>
+            </a:r>
+            <a:endParaRPr lang="fr-FR" sz="2800" b="1" dirty="0"/>
+          </a:p>
+        </p:txBody>
+      </p:sp>
+      <p:pic>
+        <p:nvPicPr>
+          <p:cNvPr id="1028" name="Picture 4" descr="Résultat de recherche d'images pour &quot;github&quot;"/>
+          <p:cNvPicPr>
+            <a:picLocks noChangeAspect="1" noChangeArrowheads="1"/>
+          </p:cNvPicPr>
+          <p:nvPr/>
+        </p:nvPicPr>
+        <p:blipFill>
+          <a:blip r:embed="rId4">
+            <a:extLst>
+              <a:ext uri="{28A0092B-C50C-407E-A947-70E740481C1C}">
+                <a14:useLocalDpi xmlns:a14="http://schemas.microsoft.com/office/drawing/2010/main" val="0"/>
+              </a:ext>
+            </a:extLst>
+          </a:blip>
+          <a:srcRect/>
+          <a:stretch>
+            <a:fillRect/>
+          </a:stretch>
+        </p:blipFill>
+        <p:spPr bwMode="auto">
+          <a:xfrm>
+            <a:off x="9686951" y="1584606"/>
+            <a:ext cx="1433370" cy="1433370"/>
+          </a:xfrm>
+          <a:prstGeom prst="rect">
+            <a:avLst/>
+          </a:prstGeom>
+          <a:noFill/>
+          <a:extLst>
+            <a:ext uri="{909E8E84-426E-40DD-AFC4-6F175D3DCCD1}">
+              <a14:hiddenFill xmlns:a14="http://schemas.microsoft.com/office/drawing/2010/main">
+                <a:solidFill>
+                  <a:srgbClr val="FFFFFF"/>
+                </a:solidFill>
+              </a14:hiddenFill>
+            </a:ext>
+          </a:extLst>
+        </p:spPr>
+      </p:pic>
+      <p:sp>
+        <p:nvSpPr>
+          <p:cNvPr id="10" name="TextBox 9"/>
+          <p:cNvSpPr txBox="1"/>
+          <p:nvPr/>
+        </p:nvSpPr>
+        <p:spPr>
+          <a:xfrm>
+            <a:off x="4510452" y="3529784"/>
+            <a:ext cx="2992967" cy="523220"/>
+          </a:xfrm>
+          <a:prstGeom prst="rect">
+            <a:avLst/>
+          </a:prstGeom>
+          <a:noFill/>
+        </p:spPr>
+        <p:txBody>
+          <a:bodyPr wrap="square" rtlCol="0">
+            <a:spAutoFit/>
+          </a:bodyPr>
+          <a:lstStyle/>
+          <a:p>
+            <a:r>
+              <a:rPr lang="fr-FR" sz="2800" b="1" dirty="0" err="1"/>
+              <a:t>Anomaly</a:t>
+            </a:r>
+            <a:r>
+              <a:rPr lang="fr-FR" sz="2800" b="1" dirty="0"/>
+              <a:t> </a:t>
+            </a:r>
+            <a:r>
+              <a:rPr lang="fr-FR" sz="2800" b="1" dirty="0" err="1"/>
+              <a:t>detection</a:t>
+            </a:r>
+            <a:endParaRPr lang="fr-FR" sz="2800" b="1" dirty="0"/>
+          </a:p>
+        </p:txBody>
+      </p:sp>
+      <p:sp>
+        <p:nvSpPr>
+          <p:cNvPr id="11" name="TextBox 10"/>
+          <p:cNvSpPr txBox="1"/>
+          <p:nvPr/>
+        </p:nvSpPr>
+        <p:spPr>
+          <a:xfrm>
+            <a:off x="8940413" y="3018156"/>
+            <a:ext cx="2926446" cy="1384995"/>
+          </a:xfrm>
+          <a:prstGeom prst="rect">
+            <a:avLst/>
+          </a:prstGeom>
+          <a:noFill/>
+        </p:spPr>
+        <p:txBody>
+          <a:bodyPr wrap="square" rtlCol="0">
+            <a:spAutoFit/>
+          </a:bodyPr>
+          <a:lstStyle/>
+          <a:p>
+            <a:pPr algn="ctr"/>
+            <a:r>
+              <a:rPr lang="fr-FR" sz="2800" b="1" dirty="0"/>
+              <a:t>GitHub </a:t>
+            </a:r>
+            <a:r>
+              <a:rPr lang="fr-FR" sz="2800" b="1" dirty="0" err="1"/>
+              <a:t>repository</a:t>
+            </a:r>
+            <a:endParaRPr lang="fr-FR" sz="2800" b="1" dirty="0"/>
+          </a:p>
+          <a:p>
+            <a:pPr algn="ctr"/>
+            <a:r>
+              <a:rPr lang="fr-FR" sz="2800" b="1" dirty="0"/>
+              <a:t>50k+ images</a:t>
+            </a:r>
+          </a:p>
+          <a:p>
+            <a:pPr algn="ctr"/>
+            <a:r>
+              <a:rPr lang="fr-FR" sz="2800" b="1" dirty="0" err="1"/>
+              <a:t>Creative</a:t>
+            </a:r>
+            <a:r>
+              <a:rPr lang="fr-FR" sz="2800" b="1" dirty="0"/>
+              <a:t> </a:t>
+            </a:r>
+            <a:r>
+              <a:rPr lang="fr-FR" sz="2800" b="1" dirty="0" err="1"/>
+              <a:t>commons</a:t>
+            </a:r>
+            <a:endParaRPr lang="fr-FR" sz="2800" b="1" dirty="0"/>
+          </a:p>
+        </p:txBody>
+      </p:sp>
+      <p:sp>
+        <p:nvSpPr>
+          <p:cNvPr id="9" name="Arrow: Right 8"/>
+          <p:cNvSpPr/>
+          <p:nvPr/>
+        </p:nvSpPr>
+        <p:spPr>
+          <a:xfrm>
+            <a:off x="3200399" y="3051120"/>
+            <a:ext cx="1019909" cy="246184"/>
+          </a:xfrm>
+          <a:prstGeom prst="rightArrow">
+            <a:avLst/>
+          </a:prstGeom>
+        </p:spPr>
+        <p:style>
+          <a:lnRef idx="2">
+            <a:schemeClr val="accent1">
+              <a:shade val="50000"/>
+            </a:schemeClr>
+          </a:lnRef>
+          <a:fillRef idx="1">
+            <a:schemeClr val="accent1"/>
+          </a:fillRef>
+          <a:effectRef idx="0">
+            <a:schemeClr val="accent1"/>
+          </a:effectRef>
+          <a:fontRef idx="minor">
+            <a:schemeClr val="lt1"/>
+          </a:fontRef>
+        </p:style>
+        <p:txBody>
+          <a:bodyPr rtlCol="0" anchor="ctr"/>
+          <a:lstStyle/>
+          <a:p>
+            <a:pPr algn="ctr"/>
+            <a:endParaRPr lang="fr-FR"/>
+          </a:p>
+        </p:txBody>
+      </p:sp>
+      <p:sp>
+        <p:nvSpPr>
+          <p:cNvPr id="13" name="Arrow: Right 12"/>
+          <p:cNvSpPr/>
+          <p:nvPr/>
+        </p:nvSpPr>
+        <p:spPr>
+          <a:xfrm>
+            <a:off x="7682445" y="2430632"/>
+            <a:ext cx="1019909" cy="246184"/>
+          </a:xfrm>
+          <a:prstGeom prst="rightArrow">
+            <a:avLst/>
+          </a:prstGeom>
+        </p:spPr>
+        <p:style>
+          <a:lnRef idx="2">
+            <a:schemeClr val="accent1">
+              <a:shade val="50000"/>
+            </a:schemeClr>
+          </a:lnRef>
+          <a:fillRef idx="1">
+            <a:schemeClr val="accent1"/>
+          </a:fillRef>
+          <a:effectRef idx="0">
+            <a:schemeClr val="accent1"/>
+          </a:effectRef>
+          <a:fontRef idx="minor">
+            <a:schemeClr val="lt1"/>
+          </a:fontRef>
+        </p:style>
+        <p:txBody>
+          <a:bodyPr rtlCol="0" anchor="ctr"/>
+          <a:lstStyle/>
+          <a:p>
+            <a:pPr algn="ctr"/>
+            <a:endParaRPr lang="fr-FR"/>
+          </a:p>
+        </p:txBody>
+      </p:sp>
+      <p:grpSp>
+        <p:nvGrpSpPr>
+          <p:cNvPr id="15" name="Group 14"/>
+          <p:cNvGrpSpPr/>
+          <p:nvPr/>
+        </p:nvGrpSpPr>
+        <p:grpSpPr>
+          <a:xfrm>
+            <a:off x="4510452" y="1606076"/>
+            <a:ext cx="2746465" cy="2088651"/>
+            <a:chOff x="4510452" y="1714934"/>
+            <a:chExt cx="2746465" cy="2088651"/>
+          </a:xfrm>
+        </p:grpSpPr>
+        <p:pic>
+          <p:nvPicPr>
+            <p:cNvPr id="8" name="Picture 7"/>
+            <p:cNvPicPr>
+              <a:picLocks noChangeAspect="1"/>
+            </p:cNvPicPr>
+            <p:nvPr/>
+          </p:nvPicPr>
+          <p:blipFill>
+            <a:blip r:embed="rId5"/>
+            <a:stretch>
+              <a:fillRect/>
+            </a:stretch>
+          </p:blipFill>
+          <p:spPr>
+            <a:xfrm>
+              <a:off x="4510452" y="1714934"/>
+              <a:ext cx="2746465" cy="2088651"/>
+            </a:xfrm>
+            <a:prstGeom prst="rect">
+              <a:avLst/>
+            </a:prstGeom>
+          </p:spPr>
+        </p:pic>
+        <p:sp>
+          <p:nvSpPr>
+            <p:cNvPr id="14" name="Rectangle 13"/>
+            <p:cNvSpPr/>
+            <p:nvPr/>
+          </p:nvSpPr>
+          <p:spPr>
+            <a:xfrm>
+              <a:off x="6544235" y="3245734"/>
+              <a:ext cx="506506" cy="273424"/>
+            </a:xfrm>
+            <a:prstGeom prst="rect">
+              <a:avLst/>
+            </a:prstGeom>
+            <a:solidFill>
+              <a:schemeClr val="bg1"/>
+            </a:solidFill>
+            <a:ln>
+              <a:solidFill>
+                <a:schemeClr val="bg1"/>
+              </a:solidFill>
+            </a:ln>
+          </p:spPr>
+          <p:style>
+            <a:lnRef idx="2">
+              <a:schemeClr val="accent1">
+                <a:shade val="50000"/>
+              </a:schemeClr>
+            </a:lnRef>
+            <a:fillRef idx="1">
+              <a:schemeClr val="accent1"/>
+            </a:fillRef>
+            <a:effectRef idx="0">
+              <a:schemeClr val="accent1"/>
+            </a:effectRef>
+            <a:fontRef idx="minor">
+              <a:schemeClr val="lt1"/>
+            </a:fontRef>
+          </p:style>
+          <p:txBody>
+            <a:bodyPr rtlCol="0" anchor="ctr"/>
+            <a:lstStyle/>
+            <a:p>
+              <a:pPr algn="ctr"/>
+              <a:endParaRPr lang="fr-FR" dirty="0"/>
+            </a:p>
+          </p:txBody>
+        </p:sp>
+        <p:sp>
+          <p:nvSpPr>
+            <p:cNvPr id="12" name="TextBox 11"/>
+            <p:cNvSpPr txBox="1"/>
+            <p:nvPr/>
+          </p:nvSpPr>
+          <p:spPr>
+            <a:xfrm>
+              <a:off x="6496867" y="3339720"/>
+              <a:ext cx="712683" cy="276999"/>
+            </a:xfrm>
+            <a:prstGeom prst="rect">
+              <a:avLst/>
+            </a:prstGeom>
+            <a:noFill/>
+          </p:spPr>
+          <p:txBody>
+            <a:bodyPr wrap="square" rtlCol="0">
+              <a:spAutoFit/>
+            </a:bodyPr>
+            <a:lstStyle/>
+            <a:p>
+              <a:r>
+                <a:rPr lang="fr-FR" sz="1200" dirty="0" err="1"/>
+                <a:t>Unusual</a:t>
+              </a:r>
+              <a:endParaRPr lang="fr-FR" dirty="0"/>
+            </a:p>
+          </p:txBody>
+        </p:sp>
+        <p:sp>
+          <p:nvSpPr>
+            <p:cNvPr id="16" name="TextBox 15"/>
+            <p:cNvSpPr txBox="1"/>
+            <p:nvPr/>
+          </p:nvSpPr>
+          <p:spPr>
+            <a:xfrm>
+              <a:off x="6496867" y="3176148"/>
+              <a:ext cx="712683" cy="276999"/>
+            </a:xfrm>
+            <a:prstGeom prst="rect">
+              <a:avLst/>
+            </a:prstGeom>
+            <a:noFill/>
+          </p:spPr>
+          <p:txBody>
+            <a:bodyPr wrap="square" rtlCol="0">
+              <a:spAutoFit/>
+            </a:bodyPr>
+            <a:lstStyle/>
+            <a:p>
+              <a:r>
+                <a:rPr lang="fr-FR" sz="1200" dirty="0" err="1"/>
+                <a:t>Usual</a:t>
+              </a:r>
+              <a:endParaRPr lang="fr-FR" dirty="0"/>
+            </a:p>
+          </p:txBody>
+        </p:sp>
+      </p:grpSp>
+      <p:pic>
+        <p:nvPicPr>
+          <p:cNvPr id="1030" name="Picture 6" descr="Résultat de recherche d'images pour &quot;neural network&quot;"/>
+          <p:cNvPicPr>
+            <a:picLocks noChangeAspect="1" noChangeArrowheads="1"/>
+          </p:cNvPicPr>
+          <p:nvPr/>
+        </p:nvPicPr>
+        <p:blipFill>
+          <a:blip r:embed="rId6">
+            <a:extLst>
+              <a:ext uri="{28A0092B-C50C-407E-A947-70E740481C1C}">
+                <a14:useLocalDpi xmlns:a14="http://schemas.microsoft.com/office/drawing/2010/main" val="0"/>
+              </a:ext>
+            </a:extLst>
+          </a:blip>
+          <a:srcRect/>
+          <a:stretch>
+            <a:fillRect/>
+          </a:stretch>
+        </p:blipFill>
+        <p:spPr bwMode="auto">
+          <a:xfrm>
+            <a:off x="4212091" y="4742376"/>
+            <a:ext cx="3356211" cy="1646283"/>
+          </a:xfrm>
+          <a:prstGeom prst="rect">
+            <a:avLst/>
+          </a:prstGeom>
+          <a:noFill/>
+          <a:extLst>
+            <a:ext uri="{909E8E84-426E-40DD-AFC4-6F175D3DCCD1}">
+              <a14:hiddenFill xmlns:a14="http://schemas.microsoft.com/office/drawing/2010/main">
+                <a:solidFill>
+                  <a:srgbClr val="FFFFFF"/>
+                </a:solidFill>
+              </a14:hiddenFill>
+            </a:ext>
+          </a:extLst>
+        </p:spPr>
+      </p:pic>
+      <p:sp>
+        <p:nvSpPr>
+          <p:cNvPr id="19" name="TextBox 18"/>
+          <p:cNvSpPr txBox="1"/>
+          <p:nvPr/>
+        </p:nvSpPr>
+        <p:spPr>
+          <a:xfrm>
+            <a:off x="4441373" y="6334780"/>
+            <a:ext cx="3453932" cy="523220"/>
+          </a:xfrm>
+          <a:prstGeom prst="rect">
+            <a:avLst/>
+          </a:prstGeom>
+          <a:noFill/>
+        </p:spPr>
+        <p:txBody>
+          <a:bodyPr wrap="square" rtlCol="0">
+            <a:spAutoFit/>
+          </a:bodyPr>
+          <a:lstStyle/>
+          <a:p>
+            <a:r>
+              <a:rPr lang="fr-FR" sz="2800" b="1" dirty="0" err="1"/>
+              <a:t>Conv</a:t>
+            </a:r>
+            <a:r>
+              <a:rPr lang="fr-FR" sz="2800" b="1" dirty="0"/>
+              <a:t>. Neural network</a:t>
+            </a:r>
+          </a:p>
+        </p:txBody>
+      </p:sp>
+      <p:sp>
+        <p:nvSpPr>
+          <p:cNvPr id="20" name="Arrow: Right 19"/>
+          <p:cNvSpPr/>
+          <p:nvPr/>
+        </p:nvSpPr>
+        <p:spPr>
+          <a:xfrm>
+            <a:off x="7682445" y="5551239"/>
+            <a:ext cx="1019909" cy="246184"/>
+          </a:xfrm>
+          <a:prstGeom prst="rightArrow">
+            <a:avLst/>
+          </a:prstGeom>
+        </p:spPr>
+        <p:style>
+          <a:lnRef idx="2">
+            <a:schemeClr val="accent1">
+              <a:shade val="50000"/>
+            </a:schemeClr>
+          </a:lnRef>
+          <a:fillRef idx="1">
+            <a:schemeClr val="accent1"/>
+          </a:fillRef>
+          <a:effectRef idx="0">
+            <a:schemeClr val="accent1"/>
+          </a:effectRef>
+          <a:fontRef idx="minor">
+            <a:schemeClr val="lt1"/>
+          </a:fontRef>
+        </p:style>
+        <p:txBody>
+          <a:bodyPr rtlCol="0" anchor="ctr"/>
+          <a:lstStyle/>
+          <a:p>
+            <a:pPr algn="ctr"/>
+            <a:endParaRPr lang="fr-FR"/>
+          </a:p>
+        </p:txBody>
+      </p:sp>
+      <p:pic>
+        <p:nvPicPr>
+          <p:cNvPr id="1032" name="Picture 8" descr="Résultat de recherche d'images pour &quot;google cloud api&quot;"/>
+          <p:cNvPicPr>
+            <a:picLocks noChangeAspect="1" noChangeArrowheads="1"/>
+          </p:cNvPicPr>
+          <p:nvPr/>
+        </p:nvPicPr>
+        <p:blipFill>
+          <a:blip r:embed="rId7">
+            <a:extLst>
+              <a:ext uri="{28A0092B-C50C-407E-A947-70E740481C1C}">
+                <a14:useLocalDpi xmlns:a14="http://schemas.microsoft.com/office/drawing/2010/main" val="0"/>
+              </a:ext>
+            </a:extLst>
+          </a:blip>
+          <a:srcRect/>
+          <a:stretch>
+            <a:fillRect/>
+          </a:stretch>
+        </p:blipFill>
+        <p:spPr bwMode="auto">
+          <a:xfrm>
+            <a:off x="9073455" y="4470781"/>
+            <a:ext cx="2921613" cy="1720950"/>
+          </a:xfrm>
+          <a:prstGeom prst="rect">
+            <a:avLst/>
+          </a:prstGeom>
+          <a:noFill/>
+          <a:extLst>
+            <a:ext uri="{909E8E84-426E-40DD-AFC4-6F175D3DCCD1}">
+              <a14:hiddenFill xmlns:a14="http://schemas.microsoft.com/office/drawing/2010/main">
+                <a:solidFill>
+                  <a:srgbClr val="FFFFFF"/>
+                </a:solidFill>
+              </a14:hiddenFill>
+            </a:ext>
+          </a:extLst>
+        </p:spPr>
+      </p:pic>
+      <p:sp>
+        <p:nvSpPr>
+          <p:cNvPr id="22" name="TextBox 21"/>
+          <p:cNvSpPr txBox="1"/>
+          <p:nvPr/>
+        </p:nvSpPr>
+        <p:spPr>
+          <a:xfrm>
+            <a:off x="9366240" y="5823151"/>
+            <a:ext cx="2335905" cy="954107"/>
+          </a:xfrm>
+          <a:prstGeom prst="rect">
+            <a:avLst/>
+          </a:prstGeom>
+          <a:noFill/>
+        </p:spPr>
+        <p:txBody>
+          <a:bodyPr wrap="square" rtlCol="0">
+            <a:spAutoFit/>
+          </a:bodyPr>
+          <a:lstStyle/>
+          <a:p>
+            <a:pPr algn="ctr"/>
+            <a:r>
+              <a:rPr lang="fr-FR" sz="2800" b="1" dirty="0"/>
+              <a:t>Docker service on the cloud</a:t>
+            </a:r>
+          </a:p>
+        </p:txBody>
+      </p:sp>
+      <p:sp>
+        <p:nvSpPr>
+          <p:cNvPr id="17" name="Arrow: Down 16"/>
+          <p:cNvSpPr/>
+          <p:nvPr/>
+        </p:nvSpPr>
+        <p:spPr>
+          <a:xfrm>
+            <a:off x="5802086" y="4161862"/>
+            <a:ext cx="228600" cy="758481"/>
+          </a:xfrm>
+          <a:prstGeom prst="downArrow">
+            <a:avLst/>
+          </a:prstGeom>
+        </p:spPr>
+        <p:style>
+          <a:lnRef idx="2">
+            <a:schemeClr val="accent1">
+              <a:shade val="50000"/>
+            </a:schemeClr>
+          </a:lnRef>
+          <a:fillRef idx="1">
+            <a:schemeClr val="accent1"/>
+          </a:fillRef>
+          <a:effectRef idx="0">
+            <a:schemeClr val="accent1"/>
+          </a:effectRef>
+          <a:fontRef idx="minor">
+            <a:schemeClr val="lt1"/>
+          </a:fontRef>
+        </p:style>
+        <p:txBody>
+          <a:bodyPr rtlCol="0" anchor="ctr"/>
+          <a:lstStyle/>
+          <a:p>
+            <a:pPr algn="ctr"/>
+            <a:endParaRPr lang="fr-FR"/>
+          </a:p>
+        </p:txBody>
+      </p:sp>
+    </p:spTree>
+    <p:extLst>
+      <p:ext uri="{BB962C8B-B14F-4D97-AF65-F5344CB8AC3E}">
+        <p14:creationId xmlns:p14="http://schemas.microsoft.com/office/powerpoint/2010/main" val="4055221031"/>
+      </p:ext>
+    </p:extLst>
+  </p:cSld>
+  <p:clrMapOvr>
+    <a:masterClrMapping/>
+  </p:clrMapOvr>
+  <p:timing>
+    <p:tnLst>
+      <p:par>
+        <p:cTn id="1" dur="indefinite" restart="never" nodeType="tmRoot">
+          <p:childTnLst>
+            <p:seq concurrent="1" nextAc="seek">
+              <p:cTn id="2" dur="indefinite" nodeType="mainSeq">
+                <p:childTnLst>
+                  <p:par>
+                    <p:cTn id="3" fill="hold">
+                      <p:stCondLst>
+                        <p:cond delay="indefinite"/>
+                      </p:stCondLst>
+                      <p:childTnLst>
+                        <p:par>
+                          <p:cTn id="4" fill="hold">
+                            <p:stCondLst>
+                              <p:cond delay="0"/>
+                            </p:stCondLst>
+                            <p:childTnLst>
+                              <p:par>
+                                <p:cTn id="5" presetID="1" presetClass="entr" presetSubtype="0" fill="hold" nodeType="clickEffect">
+                                  <p:stCondLst>
+                                    <p:cond delay="0"/>
+                                  </p:stCondLst>
+                                  <p:childTnLst>
+                                    <p:set>
+                                      <p:cBhvr>
+                                        <p:cTn id="6" dur="1" fill="hold">
+                                          <p:stCondLst>
+                                            <p:cond delay="0"/>
+                                          </p:stCondLst>
+                                        </p:cTn>
+                                        <p:tgtEl>
+                                          <p:spTgt spid="3"/>
+                                        </p:tgtEl>
+                                        <p:attrNameLst>
+                                          <p:attrName>style.visibility</p:attrName>
+                                        </p:attrNameLst>
+                                      </p:cBhvr>
+                                      <p:to>
+                                        <p:strVal val="visible"/>
+                                      </p:to>
+                                    </p:set>
+                                  </p:childTnLst>
+                                </p:cTn>
+                              </p:par>
+                              <p:par>
+                                <p:cTn id="7" presetID="1" presetClass="entr" presetSubtype="0" fill="hold" grpId="0" nodeType="withEffect">
+                                  <p:stCondLst>
+                                    <p:cond delay="0"/>
+                                  </p:stCondLst>
+                                  <p:childTnLst>
+                                    <p:set>
+                                      <p:cBhvr>
+                                        <p:cTn id="8" dur="1" fill="hold">
+                                          <p:stCondLst>
+                                            <p:cond delay="0"/>
+                                          </p:stCondLst>
+                                        </p:cTn>
+                                        <p:tgtEl>
+                                          <p:spTgt spid="6"/>
+                                        </p:tgtEl>
+                                        <p:attrNameLst>
+                                          <p:attrName>style.visibility</p:attrName>
+                                        </p:attrNameLst>
+                                      </p:cBhvr>
+                                      <p:to>
+                                        <p:strVal val="visible"/>
+                                      </p:to>
+                                    </p:set>
+                                  </p:childTnLst>
+                                </p:cTn>
+                              </p:par>
+                            </p:childTnLst>
+                          </p:cTn>
+                        </p:par>
+                      </p:childTnLst>
+                    </p:cTn>
+                  </p:par>
+                  <p:par>
+                    <p:cTn id="9" fill="hold">
+                      <p:stCondLst>
+                        <p:cond delay="indefinite"/>
+                      </p:stCondLst>
+                      <p:childTnLst>
+                        <p:par>
+                          <p:cTn id="10" fill="hold">
+                            <p:stCondLst>
+                              <p:cond delay="0"/>
+                            </p:stCondLst>
+                            <p:childTnLst>
+                              <p:par>
+                                <p:cTn id="11" presetID="1" presetClass="entr" presetSubtype="0" fill="hold" grpId="0" nodeType="clickEffect">
+                                  <p:stCondLst>
+                                    <p:cond delay="0"/>
+                                  </p:stCondLst>
+                                  <p:childTnLst>
+                                    <p:set>
+                                      <p:cBhvr>
+                                        <p:cTn id="12" dur="1" fill="hold">
+                                          <p:stCondLst>
+                                            <p:cond delay="0"/>
+                                          </p:stCondLst>
+                                        </p:cTn>
+                                        <p:tgtEl>
+                                          <p:spTgt spid="9"/>
+                                        </p:tgtEl>
+                                        <p:attrNameLst>
+                                          <p:attrName>style.visibility</p:attrName>
+                                        </p:attrNameLst>
+                                      </p:cBhvr>
+                                      <p:to>
+                                        <p:strVal val="visible"/>
+                                      </p:to>
+                                    </p:set>
+                                  </p:childTnLst>
+                                </p:cTn>
+                              </p:par>
+                              <p:par>
+                                <p:cTn id="13" presetID="1" presetClass="entr" presetSubtype="0" fill="hold" nodeType="withEffect">
+                                  <p:stCondLst>
+                                    <p:cond delay="0"/>
+                                  </p:stCondLst>
+                                  <p:childTnLst>
+                                    <p:set>
+                                      <p:cBhvr>
+                                        <p:cTn id="14" dur="1" fill="hold">
+                                          <p:stCondLst>
+                                            <p:cond delay="0"/>
+                                          </p:stCondLst>
+                                        </p:cTn>
+                                        <p:tgtEl>
+                                          <p:spTgt spid="15"/>
+                                        </p:tgtEl>
+                                        <p:attrNameLst>
+                                          <p:attrName>style.visibility</p:attrName>
+                                        </p:attrNameLst>
+                                      </p:cBhvr>
+                                      <p:to>
+                                        <p:strVal val="visible"/>
+                                      </p:to>
+                                    </p:set>
+                                  </p:childTnLst>
+                                </p:cTn>
+                              </p:par>
+                              <p:par>
+                                <p:cTn id="15" presetID="1" presetClass="entr" presetSubtype="0" fill="hold" grpId="0" nodeType="withEffect">
+                                  <p:stCondLst>
+                                    <p:cond delay="0"/>
+                                  </p:stCondLst>
+                                  <p:childTnLst>
+                                    <p:set>
+                                      <p:cBhvr>
+                                        <p:cTn id="16" dur="1" fill="hold">
+                                          <p:stCondLst>
+                                            <p:cond delay="0"/>
+                                          </p:stCondLst>
+                                        </p:cTn>
+                                        <p:tgtEl>
+                                          <p:spTgt spid="10"/>
+                                        </p:tgtEl>
+                                        <p:attrNameLst>
+                                          <p:attrName>style.visibility</p:attrName>
+                                        </p:attrNameLst>
+                                      </p:cBhvr>
+                                      <p:to>
+                                        <p:strVal val="visible"/>
+                                      </p:to>
+                                    </p:set>
+                                  </p:childTnLst>
+                                </p:cTn>
+                              </p:par>
+                            </p:childTnLst>
+                          </p:cTn>
+                        </p:par>
+                      </p:childTnLst>
+                    </p:cTn>
+                  </p:par>
+                  <p:par>
+                    <p:cTn id="17" fill="hold">
+                      <p:stCondLst>
+                        <p:cond delay="indefinite"/>
+                      </p:stCondLst>
+                      <p:childTnLst>
+                        <p:par>
+                          <p:cTn id="18" fill="hold">
+                            <p:stCondLst>
+                              <p:cond delay="0"/>
+                            </p:stCondLst>
+                            <p:childTnLst>
+                              <p:par>
+                                <p:cTn id="19" presetID="1" presetClass="entr" presetSubtype="0" fill="hold" grpId="0" nodeType="clickEffect">
+                                  <p:stCondLst>
+                                    <p:cond delay="0"/>
+                                  </p:stCondLst>
+                                  <p:childTnLst>
+                                    <p:set>
+                                      <p:cBhvr>
+                                        <p:cTn id="20" dur="1" fill="hold">
+                                          <p:stCondLst>
+                                            <p:cond delay="0"/>
+                                          </p:stCondLst>
+                                        </p:cTn>
+                                        <p:tgtEl>
+                                          <p:spTgt spid="13"/>
+                                        </p:tgtEl>
+                                        <p:attrNameLst>
+                                          <p:attrName>style.visibility</p:attrName>
+                                        </p:attrNameLst>
+                                      </p:cBhvr>
+                                      <p:to>
+                                        <p:strVal val="visible"/>
+                                      </p:to>
+                                    </p:set>
+                                  </p:childTnLst>
+                                </p:cTn>
+                              </p:par>
+                              <p:par>
+                                <p:cTn id="21" presetID="1" presetClass="entr" presetSubtype="0" fill="hold" nodeType="withEffect">
+                                  <p:stCondLst>
+                                    <p:cond delay="0"/>
+                                  </p:stCondLst>
+                                  <p:childTnLst>
+                                    <p:set>
+                                      <p:cBhvr>
+                                        <p:cTn id="22" dur="1" fill="hold">
+                                          <p:stCondLst>
+                                            <p:cond delay="0"/>
+                                          </p:stCondLst>
+                                        </p:cTn>
+                                        <p:tgtEl>
+                                          <p:spTgt spid="1028"/>
+                                        </p:tgtEl>
+                                        <p:attrNameLst>
+                                          <p:attrName>style.visibility</p:attrName>
+                                        </p:attrNameLst>
+                                      </p:cBhvr>
+                                      <p:to>
+                                        <p:strVal val="visible"/>
+                                      </p:to>
+                                    </p:set>
+                                  </p:childTnLst>
+                                </p:cTn>
+                              </p:par>
+                              <p:par>
+                                <p:cTn id="23" presetID="1" presetClass="entr" presetSubtype="0" fill="hold" grpId="0" nodeType="withEffect">
+                                  <p:stCondLst>
+                                    <p:cond delay="0"/>
+                                  </p:stCondLst>
+                                  <p:childTnLst>
+                                    <p:set>
+                                      <p:cBhvr>
+                                        <p:cTn id="24" dur="1" fill="hold">
+                                          <p:stCondLst>
+                                            <p:cond delay="0"/>
+                                          </p:stCondLst>
+                                        </p:cTn>
+                                        <p:tgtEl>
+                                          <p:spTgt spid="11"/>
+                                        </p:tgtEl>
+                                        <p:attrNameLst>
+                                          <p:attrName>style.visibility</p:attrName>
+                                        </p:attrNameLst>
+                                      </p:cBhvr>
+                                      <p:to>
+                                        <p:strVal val="visible"/>
+                                      </p:to>
+                                    </p:set>
+                                  </p:childTnLst>
+                                </p:cTn>
+                              </p:par>
+                            </p:childTnLst>
+                          </p:cTn>
+                        </p:par>
+                      </p:childTnLst>
+                    </p:cTn>
+                  </p:par>
+                  <p:par>
+                    <p:cTn id="25" fill="hold">
+                      <p:stCondLst>
+                        <p:cond delay="indefinite"/>
+                      </p:stCondLst>
+                      <p:childTnLst>
+                        <p:par>
+                          <p:cTn id="26" fill="hold">
+                            <p:stCondLst>
+                              <p:cond delay="0"/>
+                            </p:stCondLst>
+                            <p:childTnLst>
+                              <p:par>
+                                <p:cTn id="27" presetID="1" presetClass="entr" presetSubtype="0" fill="hold" grpId="0" nodeType="clickEffect">
+                                  <p:stCondLst>
+                                    <p:cond delay="0"/>
+                                  </p:stCondLst>
+                                  <p:childTnLst>
+                                    <p:set>
+                                      <p:cBhvr>
+                                        <p:cTn id="28" dur="1" fill="hold">
+                                          <p:stCondLst>
+                                            <p:cond delay="0"/>
+                                          </p:stCondLst>
+                                        </p:cTn>
+                                        <p:tgtEl>
+                                          <p:spTgt spid="17"/>
+                                        </p:tgtEl>
+                                        <p:attrNameLst>
+                                          <p:attrName>style.visibility</p:attrName>
+                                        </p:attrNameLst>
+                                      </p:cBhvr>
+                                      <p:to>
+                                        <p:strVal val="visible"/>
+                                      </p:to>
+                                    </p:set>
+                                  </p:childTnLst>
+                                </p:cTn>
+                              </p:par>
+                              <p:par>
+                                <p:cTn id="29" presetID="1" presetClass="entr" presetSubtype="0" fill="hold" nodeType="withEffect">
+                                  <p:stCondLst>
+                                    <p:cond delay="0"/>
+                                  </p:stCondLst>
+                                  <p:childTnLst>
+                                    <p:set>
+                                      <p:cBhvr>
+                                        <p:cTn id="30" dur="1" fill="hold">
+                                          <p:stCondLst>
+                                            <p:cond delay="0"/>
+                                          </p:stCondLst>
+                                        </p:cTn>
+                                        <p:tgtEl>
+                                          <p:spTgt spid="1030"/>
+                                        </p:tgtEl>
+                                        <p:attrNameLst>
+                                          <p:attrName>style.visibility</p:attrName>
+                                        </p:attrNameLst>
+                                      </p:cBhvr>
+                                      <p:to>
+                                        <p:strVal val="visible"/>
+                                      </p:to>
+                                    </p:set>
+                                  </p:childTnLst>
+                                </p:cTn>
+                              </p:par>
+                              <p:par>
+                                <p:cTn id="31" presetID="1" presetClass="entr" presetSubtype="0" fill="hold" grpId="0" nodeType="withEffect">
+                                  <p:stCondLst>
+                                    <p:cond delay="0"/>
+                                  </p:stCondLst>
+                                  <p:childTnLst>
+                                    <p:set>
+                                      <p:cBhvr>
+                                        <p:cTn id="32" dur="1" fill="hold">
+                                          <p:stCondLst>
+                                            <p:cond delay="0"/>
+                                          </p:stCondLst>
+                                        </p:cTn>
+                                        <p:tgtEl>
+                                          <p:spTgt spid="19"/>
+                                        </p:tgtEl>
+                                        <p:attrNameLst>
+                                          <p:attrName>style.visibility</p:attrName>
+                                        </p:attrNameLst>
+                                      </p:cBhvr>
+                                      <p:to>
+                                        <p:strVal val="visible"/>
+                                      </p:to>
+                                    </p:set>
+                                  </p:childTnLst>
+                                </p:cTn>
+                              </p:par>
+                            </p:childTnLst>
+                          </p:cTn>
+                        </p:par>
+                      </p:childTnLst>
+                    </p:cTn>
+                  </p:par>
+                  <p:par>
+                    <p:cTn id="33" fill="hold">
+                      <p:stCondLst>
+                        <p:cond delay="indefinite"/>
+                      </p:stCondLst>
+                      <p:childTnLst>
+                        <p:par>
+                          <p:cTn id="34" fill="hold">
+                            <p:stCondLst>
+                              <p:cond delay="0"/>
+                            </p:stCondLst>
+                            <p:childTnLst>
+                              <p:par>
+                                <p:cTn id="35" presetID="1" presetClass="entr" presetSubtype="0" fill="hold" grpId="0" nodeType="clickEffect">
+                                  <p:stCondLst>
+                                    <p:cond delay="0"/>
+                                  </p:stCondLst>
+                                  <p:childTnLst>
+                                    <p:set>
+                                      <p:cBhvr>
+                                        <p:cTn id="36" dur="1" fill="hold">
+                                          <p:stCondLst>
+                                            <p:cond delay="0"/>
+                                          </p:stCondLst>
+                                        </p:cTn>
+                                        <p:tgtEl>
+                                          <p:spTgt spid="20"/>
+                                        </p:tgtEl>
+                                        <p:attrNameLst>
+                                          <p:attrName>style.visibility</p:attrName>
+                                        </p:attrNameLst>
+                                      </p:cBhvr>
+                                      <p:to>
+                                        <p:strVal val="visible"/>
+                                      </p:to>
+                                    </p:set>
+                                  </p:childTnLst>
+                                </p:cTn>
+                              </p:par>
+                              <p:par>
+                                <p:cTn id="37" presetID="1" presetClass="entr" presetSubtype="0" fill="hold" nodeType="withEffect">
+                                  <p:stCondLst>
+                                    <p:cond delay="0"/>
+                                  </p:stCondLst>
+                                  <p:childTnLst>
+                                    <p:set>
+                                      <p:cBhvr>
+                                        <p:cTn id="38" dur="1" fill="hold">
+                                          <p:stCondLst>
+                                            <p:cond delay="0"/>
+                                          </p:stCondLst>
+                                        </p:cTn>
+                                        <p:tgtEl>
+                                          <p:spTgt spid="1032"/>
+                                        </p:tgtEl>
+                                        <p:attrNameLst>
+                                          <p:attrName>style.visibility</p:attrName>
+                                        </p:attrNameLst>
+                                      </p:cBhvr>
+                                      <p:to>
+                                        <p:strVal val="visible"/>
+                                      </p:to>
+                                    </p:set>
+                                  </p:childTnLst>
+                                </p:cTn>
+                              </p:par>
+                              <p:par>
+                                <p:cTn id="39" presetID="1" presetClass="entr" presetSubtype="0" fill="hold" grpId="0" nodeType="withEffect">
+                                  <p:stCondLst>
+                                    <p:cond delay="0"/>
+                                  </p:stCondLst>
+                                  <p:childTnLst>
+                                    <p:set>
+                                      <p:cBhvr>
+                                        <p:cTn id="40" dur="1" fill="hold">
+                                          <p:stCondLst>
+                                            <p:cond delay="0"/>
+                                          </p:stCondLst>
+                                        </p:cTn>
+                                        <p:tgtEl>
+                                          <p:spTgt spid="22"/>
+                                        </p:tgtEl>
+                                        <p:attrNameLst>
+                                          <p:attrName>style.visibility</p:attrName>
+                                        </p:attrNameLst>
+                                      </p:cBhvr>
+                                      <p:to>
+                                        <p:strVal val="visible"/>
+                                      </p:to>
+                                    </p:set>
+                                  </p:childTnLst>
+                                </p:cTn>
+                              </p:par>
+                            </p:childTnLst>
+                          </p:cTn>
+                        </p:par>
+                      </p:childTnLst>
+                    </p:cTn>
+                  </p:par>
+                </p:childTnLst>
+              </p:cTn>
+              <p:prevCondLst>
+                <p:cond evt="onPrev" delay="0">
+                  <p:tgtEl>
+                    <p:sldTgt/>
+                  </p:tgtEl>
+                </p:cond>
+              </p:prevCondLst>
+              <p:nextCondLst>
+                <p:cond evt="onNext" delay="0">
+                  <p:tgtEl>
+                    <p:sldTgt/>
+                  </p:tgtEl>
+                </p:cond>
+              </p:nextCondLst>
+            </p:seq>
+          </p:childTnLst>
+        </p:cTn>
+      </p:par>
+    </p:tnLst>
+    <p:bldLst>
+      <p:bldP spid="6" grpId="0"/>
+      <p:bldP spid="10" grpId="0"/>
+      <p:bldP spid="11" grpId="0"/>
+      <p:bldP spid="9" grpId="0" animBg="1"/>
+      <p:bldP spid="13" grpId="0" animBg="1"/>
+      <p:bldP spid="19" grpId="0"/>
+      <p:bldP spid="20" grpId="0" animBg="1"/>
+      <p:bldP spid="22" grpId="0"/>
+      <p:bldP spid="17" grpId="0" animBg="1"/>
+    </p:bldLst>
+  </p:timing>
+</p:sld>
+</file>
+
+<file path=ppt/slides/slide3.xml><?xml version="1.0" encoding="utf-8"?>
+<p:sld xmlns:a="http://schemas.openxmlformats.org/drawingml/2006/main" xmlns:r="http://schemas.openxmlformats.org/officeDocument/2006/relationships" xmlns:p="http://schemas.openxmlformats.org/presentationml/2006/main">
+  <p:cSld>
+    <p:spTree>
+      <p:nvGrpSpPr>
+        <p:cNvPr id="1" name=""/>
+        <p:cNvGrpSpPr/>
+        <p:nvPr/>
+      </p:nvGrpSpPr>
+      <p:grpSpPr>
+        <a:xfrm>
+          <a:off x="0" y="0"/>
+          <a:ext cx="0" cy="0"/>
+          <a:chOff x="0" y="0"/>
+          <a:chExt cx="0" cy="0"/>
+        </a:xfrm>
+      </p:grpSpPr>
+      <p:sp>
+        <p:nvSpPr>
+          <p:cNvPr id="2" name="Title 1"/>
+          <p:cNvSpPr>
+            <a:spLocks noGrp="1"/>
+          </p:cNvSpPr>
+          <p:nvPr>
+            <p:ph type="title"/>
+          </p:nvPr>
+        </p:nvSpPr>
+        <p:spPr>
+          <a:xfrm>
+            <a:off x="4809393" y="561356"/>
+            <a:ext cx="6544407" cy="1325563"/>
+          </a:xfrm>
+        </p:spPr>
+        <p:txBody>
+          <a:bodyPr>
+            <a:normAutofit/>
+          </a:bodyPr>
+          <a:lstStyle/>
+          <a:p>
+            <a:r>
+              <a:rPr lang="fr-FR" sz="4800" b="1" dirty="0" err="1"/>
+              <a:t>Cyrillic-oriented</a:t>
+            </a:r>
+            <a:r>
+              <a:rPr lang="fr-FR" sz="4800" b="1" dirty="0"/>
+              <a:t> MNIST</a:t>
+            </a:r>
+          </a:p>
+        </p:txBody>
+      </p:sp>
+      <p:pic>
+        <p:nvPicPr>
+          <p:cNvPr id="4" name="Content Placeholder 3"/>
+          <p:cNvPicPr>
+            <a:picLocks noGrp="1" noChangeAspect="1"/>
+          </p:cNvPicPr>
+          <p:nvPr>
+            <p:ph idx="1"/>
+          </p:nvPr>
+        </p:nvPicPr>
+        <p:blipFill>
+          <a:blip r:embed="rId2">
+            <a:extLst>
+              <a:ext uri="{28A0092B-C50C-407E-A947-70E740481C1C}">
+                <a14:useLocalDpi xmlns:a14="http://schemas.microsoft.com/office/drawing/2010/main" val="0"/>
+              </a:ext>
+            </a:extLst>
+          </a:blip>
+          <a:stretch>
+            <a:fillRect/>
+          </a:stretch>
+        </p:blipFill>
+        <p:spPr>
+          <a:xfrm>
+            <a:off x="289806" y="0"/>
+            <a:ext cx="4000839" cy="2448275"/>
+          </a:xfrm>
+        </p:spPr>
+      </p:pic>
+      <p:grpSp>
+        <p:nvGrpSpPr>
+          <p:cNvPr id="11" name="Group 10"/>
+          <p:cNvGrpSpPr/>
+          <p:nvPr/>
+        </p:nvGrpSpPr>
+        <p:grpSpPr>
+          <a:xfrm>
+            <a:off x="102577" y="2171700"/>
+            <a:ext cx="6593498" cy="4191000"/>
+            <a:chOff x="102577" y="2171700"/>
+            <a:chExt cx="6593498" cy="4191000"/>
+          </a:xfrm>
+        </p:grpSpPr>
+        <p:pic>
+          <p:nvPicPr>
+            <p:cNvPr id="6" name="Picture 5"/>
+            <p:cNvPicPr>
+              <a:picLocks noChangeAspect="1"/>
+            </p:cNvPicPr>
+            <p:nvPr/>
+          </p:nvPicPr>
+          <p:blipFill>
+            <a:blip r:embed="rId3"/>
+            <a:stretch>
+              <a:fillRect/>
+            </a:stretch>
+          </p:blipFill>
+          <p:spPr>
+            <a:xfrm>
+              <a:off x="102577" y="2448274"/>
+              <a:ext cx="6330577" cy="3628675"/>
+            </a:xfrm>
+            <a:prstGeom prst="rect">
+              <a:avLst/>
+            </a:prstGeom>
+          </p:spPr>
+        </p:pic>
+        <p:sp>
+          <p:nvSpPr>
+            <p:cNvPr id="7" name="Rectangle 6"/>
+            <p:cNvSpPr/>
+            <p:nvPr/>
+          </p:nvSpPr>
+          <p:spPr>
+            <a:xfrm>
+              <a:off x="381000" y="2448273"/>
+              <a:ext cx="542925" cy="209202"/>
+            </a:xfrm>
+            <a:prstGeom prst="rect">
+              <a:avLst/>
+            </a:prstGeom>
+            <a:solidFill>
+              <a:schemeClr val="bg1"/>
+            </a:solidFill>
+            <a:ln>
+              <a:solidFill>
+                <a:schemeClr val="bg1"/>
+              </a:solidFill>
+            </a:ln>
+          </p:spPr>
+          <p:style>
+            <a:lnRef idx="2">
+              <a:schemeClr val="accent1">
+                <a:shade val="50000"/>
+              </a:schemeClr>
+            </a:lnRef>
+            <a:fillRef idx="1">
+              <a:schemeClr val="accent1"/>
+            </a:fillRef>
+            <a:effectRef idx="0">
+              <a:schemeClr val="accent1"/>
+            </a:effectRef>
+            <a:fontRef idx="minor">
+              <a:schemeClr val="lt1"/>
+            </a:fontRef>
+          </p:style>
+          <p:txBody>
+            <a:bodyPr rtlCol="0" anchor="ctr"/>
+            <a:lstStyle/>
+            <a:p>
+              <a:pPr algn="ctr"/>
+              <a:endParaRPr lang="fr-FR"/>
+            </a:p>
+          </p:txBody>
+        </p:sp>
+        <p:sp>
+          <p:nvSpPr>
+            <p:cNvPr id="3" name="TextBox 2"/>
+            <p:cNvSpPr txBox="1"/>
+            <p:nvPr/>
+          </p:nvSpPr>
+          <p:spPr>
+            <a:xfrm>
+              <a:off x="104775" y="2303853"/>
+              <a:ext cx="2533650" cy="369332"/>
+            </a:xfrm>
+            <a:prstGeom prst="rect">
+              <a:avLst/>
+            </a:prstGeom>
+            <a:noFill/>
+          </p:spPr>
+          <p:txBody>
+            <a:bodyPr wrap="square" rtlCol="0">
+              <a:spAutoFit/>
+            </a:bodyPr>
+            <a:lstStyle/>
+            <a:p>
+              <a:r>
+                <a:rPr lang="fr-FR" b="1" dirty="0"/>
+                <a:t>Top 10 countries</a:t>
+              </a:r>
+            </a:p>
+          </p:txBody>
+        </p:sp>
+        <p:pic>
+          <p:nvPicPr>
+            <p:cNvPr id="9" name="Picture 8"/>
+            <p:cNvPicPr>
+              <a:picLocks noChangeAspect="1"/>
+            </p:cNvPicPr>
+            <p:nvPr/>
+          </p:nvPicPr>
+          <p:blipFill>
+            <a:blip r:embed="rId4"/>
+            <a:stretch>
+              <a:fillRect/>
+            </a:stretch>
+          </p:blipFill>
+          <p:spPr>
+            <a:xfrm>
+              <a:off x="1761520" y="2306368"/>
+              <a:ext cx="2410838" cy="4056332"/>
+            </a:xfrm>
+            <a:prstGeom prst="rect">
+              <a:avLst/>
+            </a:prstGeom>
+          </p:spPr>
+        </p:pic>
+        <p:sp>
+          <p:nvSpPr>
+            <p:cNvPr id="10" name="Rectangle 9"/>
+            <p:cNvSpPr/>
+            <p:nvPr/>
+          </p:nvSpPr>
+          <p:spPr>
+            <a:xfrm>
+              <a:off x="4048125" y="2171700"/>
+              <a:ext cx="2647950" cy="4191000"/>
+            </a:xfrm>
+            <a:prstGeom prst="rect">
+              <a:avLst/>
+            </a:prstGeom>
+            <a:solidFill>
+              <a:schemeClr val="bg1"/>
+            </a:solidFill>
+            <a:ln>
+              <a:solidFill>
+                <a:schemeClr val="bg1"/>
+              </a:solidFill>
+            </a:ln>
+          </p:spPr>
+          <p:style>
+            <a:lnRef idx="2">
+              <a:schemeClr val="accent1">
+                <a:shade val="50000"/>
+              </a:schemeClr>
+            </a:lnRef>
+            <a:fillRef idx="1">
+              <a:schemeClr val="accent1"/>
+            </a:fillRef>
+            <a:effectRef idx="0">
+              <a:schemeClr val="accent1"/>
+            </a:effectRef>
+            <a:fontRef idx="minor">
+              <a:schemeClr val="lt1"/>
+            </a:fontRef>
+          </p:style>
+          <p:txBody>
+            <a:bodyPr rtlCol="0" anchor="ctr"/>
+            <a:lstStyle/>
+            <a:p>
+              <a:pPr algn="ctr"/>
+              <a:endParaRPr lang="fr-FR"/>
+            </a:p>
+          </p:txBody>
+        </p:sp>
+      </p:grpSp>
+      <p:sp>
+        <p:nvSpPr>
+          <p:cNvPr id="5" name="Content Placeholder 2"/>
+          <p:cNvSpPr txBox="1">
+            <a:spLocks/>
+          </p:cNvSpPr>
+          <p:nvPr/>
+        </p:nvSpPr>
+        <p:spPr>
+          <a:xfrm>
+            <a:off x="4110139" y="2048226"/>
+            <a:ext cx="7719911" cy="2269640"/>
+          </a:xfrm>
+          <a:prstGeom prst="rect">
+            <a:avLst/>
+          </a:prstGeom>
+        </p:spPr>
+        <p:txBody>
+          <a:bodyPr vert="horz" lIns="91440" tIns="45720" rIns="91440" bIns="45720" rtlCol="0">
+            <a:normAutofit/>
+          </a:bodyPr>
+          <a:lstStyle>
+            <a:lvl1pPr marL="228600" indent="-228600" algn="l" defTabSz="914400" rtl="0" eaLnBrk="1" latinLnBrk="0" hangingPunct="1">
+              <a:lnSpc>
+                <a:spcPct val="90000"/>
+              </a:lnSpc>
+              <a:spcBef>
+                <a:spcPts val="1000"/>
+              </a:spcBef>
+              <a:buFont typeface="Arial" panose="020B0604020202020204" pitchFamily="34" charset="0"/>
+              <a:buChar char="•"/>
+              <a:defRPr sz="2800" kern="1200">
+                <a:solidFill>
+                  <a:schemeClr val="tx1"/>
+                </a:solidFill>
+                <a:latin typeface="+mn-lt"/>
+                <a:ea typeface="+mn-ea"/>
+                <a:cs typeface="+mn-cs"/>
+              </a:defRPr>
+            </a:lvl1pPr>
+            <a:lvl2pPr marL="685800" indent="-228600" algn="l" defTabSz="914400" rtl="0" eaLnBrk="1" latinLnBrk="0" hangingPunct="1">
+              <a:lnSpc>
+                <a:spcPct val="90000"/>
+              </a:lnSpc>
+              <a:spcBef>
+                <a:spcPts val="500"/>
+              </a:spcBef>
+              <a:buFont typeface="Arial" panose="020B0604020202020204" pitchFamily="34" charset="0"/>
+              <a:buChar char="•"/>
+              <a:defRPr sz="2400" kern="1200">
+                <a:solidFill>
+                  <a:schemeClr val="tx1"/>
+                </a:solidFill>
+                <a:latin typeface="+mn-lt"/>
+                <a:ea typeface="+mn-ea"/>
+                <a:cs typeface="+mn-cs"/>
+              </a:defRPr>
+            </a:lvl2pPr>
+            <a:lvl3pPr marL="1143000" indent="-228600" algn="l" defTabSz="914400" rtl="0" eaLnBrk="1" latinLnBrk="0" hangingPunct="1">
+              <a:lnSpc>
+                <a:spcPct val="90000"/>
+              </a:lnSpc>
+              <a:spcBef>
+                <a:spcPts val="500"/>
+              </a:spcBef>
+              <a:buFont typeface="Arial" panose="020B0604020202020204" pitchFamily="34" charset="0"/>
+              <a:buChar char="•"/>
+              <a:defRPr sz="2000" kern="1200">
+                <a:solidFill>
+                  <a:schemeClr val="tx1"/>
+                </a:solidFill>
+                <a:latin typeface="+mn-lt"/>
+                <a:ea typeface="+mn-ea"/>
+                <a:cs typeface="+mn-cs"/>
+              </a:defRPr>
+            </a:lvl3pPr>
+            <a:lvl4pPr marL="1600200" indent="-228600" algn="l" defTabSz="914400" rtl="0" eaLnBrk="1" latinLnBrk="0" hangingPunct="1">
+              <a:lnSpc>
+                <a:spcPct val="90000"/>
+              </a:lnSpc>
+              <a:spcBef>
+                <a:spcPts val="500"/>
+              </a:spcBef>
+              <a:buFont typeface="Arial" panose="020B0604020202020204" pitchFamily="34" charset="0"/>
+              <a:buChar char="•"/>
+              <a:defRPr sz="1800" kern="1200">
+                <a:solidFill>
+                  <a:schemeClr val="tx1"/>
+                </a:solidFill>
+                <a:latin typeface="+mn-lt"/>
+                <a:ea typeface="+mn-ea"/>
+                <a:cs typeface="+mn-cs"/>
+              </a:defRPr>
+            </a:lvl4pPr>
+            <a:lvl5pPr marL="2057400" indent="-228600" algn="l" defTabSz="914400" rtl="0" eaLnBrk="1" latinLnBrk="0" hangingPunct="1">
+              <a:lnSpc>
+                <a:spcPct val="90000"/>
+              </a:lnSpc>
+              <a:spcBef>
+                <a:spcPts val="500"/>
+              </a:spcBef>
+              <a:buFont typeface="Arial" panose="020B0604020202020204" pitchFamily="34" charset="0"/>
+              <a:buChar char="•"/>
+              <a:defRPr sz="1800" kern="1200">
+                <a:solidFill>
+                  <a:schemeClr val="tx1"/>
+                </a:solidFill>
+                <a:latin typeface="+mn-lt"/>
+                <a:ea typeface="+mn-ea"/>
+                <a:cs typeface="+mn-cs"/>
+              </a:defRPr>
+            </a:lvl5pPr>
+            <a:lvl6pPr marL="2514600" indent="-228600" algn="l" defTabSz="914400" rtl="0" eaLnBrk="1" latinLnBrk="0" hangingPunct="1">
+              <a:lnSpc>
+                <a:spcPct val="90000"/>
+              </a:lnSpc>
+              <a:spcBef>
+                <a:spcPts val="500"/>
+              </a:spcBef>
+              <a:buFont typeface="Arial" panose="020B0604020202020204" pitchFamily="34" charset="0"/>
+              <a:buChar char="•"/>
+              <a:defRPr sz="1800" kern="1200">
+                <a:solidFill>
+                  <a:schemeClr val="tx1"/>
+                </a:solidFill>
+                <a:latin typeface="+mn-lt"/>
+                <a:ea typeface="+mn-ea"/>
+                <a:cs typeface="+mn-cs"/>
+              </a:defRPr>
+            </a:lvl6pPr>
+            <a:lvl7pPr marL="2971800" indent="-228600" algn="l" defTabSz="914400" rtl="0" eaLnBrk="1" latinLnBrk="0" hangingPunct="1">
+              <a:lnSpc>
+                <a:spcPct val="90000"/>
+              </a:lnSpc>
+              <a:spcBef>
+                <a:spcPts val="500"/>
+              </a:spcBef>
+              <a:buFont typeface="Arial" panose="020B0604020202020204" pitchFamily="34" charset="0"/>
+              <a:buChar char="•"/>
+              <a:defRPr sz="1800" kern="1200">
+                <a:solidFill>
+                  <a:schemeClr val="tx1"/>
+                </a:solidFill>
+                <a:latin typeface="+mn-lt"/>
+                <a:ea typeface="+mn-ea"/>
+                <a:cs typeface="+mn-cs"/>
+              </a:defRPr>
+            </a:lvl7pPr>
+            <a:lvl8pPr marL="3429000" indent="-228600" algn="l" defTabSz="914400" rtl="0" eaLnBrk="1" latinLnBrk="0" hangingPunct="1">
+              <a:lnSpc>
+                <a:spcPct val="90000"/>
+              </a:lnSpc>
+              <a:spcBef>
+                <a:spcPts val="500"/>
+              </a:spcBef>
+              <a:buFont typeface="Arial" panose="020B0604020202020204" pitchFamily="34" charset="0"/>
+              <a:buChar char="•"/>
+              <a:defRPr sz="1800" kern="1200">
+                <a:solidFill>
+                  <a:schemeClr val="tx1"/>
+                </a:solidFill>
+                <a:latin typeface="+mn-lt"/>
+                <a:ea typeface="+mn-ea"/>
+                <a:cs typeface="+mn-cs"/>
+              </a:defRPr>
+            </a:lvl8pPr>
+            <a:lvl9pPr marL="3886200" indent="-228600" algn="l" defTabSz="914400" rtl="0" eaLnBrk="1" latinLnBrk="0" hangingPunct="1">
+              <a:lnSpc>
+                <a:spcPct val="90000"/>
+              </a:lnSpc>
+              <a:spcBef>
+                <a:spcPts val="500"/>
+              </a:spcBef>
+              <a:buFont typeface="Arial" panose="020B0604020202020204" pitchFamily="34" charset="0"/>
+              <a:buChar char="•"/>
+              <a:defRPr sz="1800" kern="1200">
+                <a:solidFill>
+                  <a:schemeClr val="tx1"/>
+                </a:solidFill>
+                <a:latin typeface="+mn-lt"/>
+                <a:ea typeface="+mn-ea"/>
+                <a:cs typeface="+mn-cs"/>
+              </a:defRPr>
+            </a:lvl9pPr>
+          </a:lstStyle>
+          <a:p>
+            <a:pPr marL="0" indent="0">
+              <a:buNone/>
+            </a:pPr>
+            <a:r>
+              <a:rPr lang="fr-FR" sz="3600" dirty="0" err="1"/>
+              <a:t>After</a:t>
+            </a:r>
+            <a:r>
+              <a:rPr lang="fr-FR" sz="3600" dirty="0"/>
+              <a:t> one </a:t>
+            </a:r>
+            <a:r>
+              <a:rPr lang="fr-FR" sz="3600" dirty="0" err="1"/>
+              <a:t>week</a:t>
+            </a:r>
+            <a:endParaRPr lang="fr-FR" sz="3600" dirty="0"/>
+          </a:p>
+          <a:p>
+            <a:pPr lvl="1"/>
+            <a:r>
+              <a:rPr lang="fr-FR" sz="3200" dirty="0"/>
+              <a:t>370 participants</a:t>
+            </a:r>
+          </a:p>
+          <a:p>
+            <a:pPr lvl="1"/>
+            <a:r>
+              <a:rPr lang="fr-FR" sz="3200" dirty="0"/>
+              <a:t>31 countries</a:t>
+            </a:r>
+          </a:p>
+          <a:p>
+            <a:pPr lvl="1"/>
+            <a:r>
+              <a:rPr lang="fr-FR" sz="3200" dirty="0"/>
+              <a:t>18k </a:t>
+            </a:r>
+            <a:r>
+              <a:rPr lang="fr-FR" sz="3200" dirty="0" err="1"/>
+              <a:t>letters</a:t>
+            </a:r>
+            <a:r>
+              <a:rPr lang="fr-FR" sz="3200" dirty="0"/>
+              <a:t> </a:t>
+            </a:r>
+            <a:r>
+              <a:rPr lang="fr-FR" sz="3200" dirty="0" err="1"/>
+              <a:t>collected</a:t>
+            </a:r>
+            <a:endParaRPr lang="fr-FR" sz="3200" dirty="0"/>
+          </a:p>
+        </p:txBody>
+      </p:sp>
+      <p:sp>
+        <p:nvSpPr>
+          <p:cNvPr id="16" name="Content Placeholder 2"/>
+          <p:cNvSpPr txBox="1">
+            <a:spLocks/>
+          </p:cNvSpPr>
+          <p:nvPr/>
+        </p:nvSpPr>
+        <p:spPr>
+          <a:xfrm>
+            <a:off x="4114447" y="4051801"/>
+            <a:ext cx="7719911" cy="679183"/>
+          </a:xfrm>
+          <a:prstGeom prst="rect">
+            <a:avLst/>
+          </a:prstGeom>
+        </p:spPr>
+        <p:txBody>
+          <a:bodyPr vert="horz" lIns="91440" tIns="45720" rIns="91440" bIns="45720" rtlCol="0">
+            <a:normAutofit/>
+          </a:bodyPr>
+          <a:lstStyle>
+            <a:lvl1pPr marL="228600" indent="-228600" algn="l" defTabSz="914400" rtl="0" eaLnBrk="1" latinLnBrk="0" hangingPunct="1">
+              <a:lnSpc>
+                <a:spcPct val="90000"/>
+              </a:lnSpc>
+              <a:spcBef>
+                <a:spcPts val="1000"/>
+              </a:spcBef>
+              <a:buFont typeface="Arial" panose="020B0604020202020204" pitchFamily="34" charset="0"/>
+              <a:buChar char="•"/>
+              <a:defRPr sz="2800" kern="1200">
+                <a:solidFill>
+                  <a:schemeClr val="tx1"/>
+                </a:solidFill>
+                <a:latin typeface="+mn-lt"/>
+                <a:ea typeface="+mn-ea"/>
+                <a:cs typeface="+mn-cs"/>
+              </a:defRPr>
+            </a:lvl1pPr>
+            <a:lvl2pPr marL="685800" indent="-228600" algn="l" defTabSz="914400" rtl="0" eaLnBrk="1" latinLnBrk="0" hangingPunct="1">
+              <a:lnSpc>
+                <a:spcPct val="90000"/>
+              </a:lnSpc>
+              <a:spcBef>
+                <a:spcPts val="500"/>
+              </a:spcBef>
+              <a:buFont typeface="Arial" panose="020B0604020202020204" pitchFamily="34" charset="0"/>
+              <a:buChar char="•"/>
+              <a:defRPr sz="2400" kern="1200">
+                <a:solidFill>
+                  <a:schemeClr val="tx1"/>
+                </a:solidFill>
+                <a:latin typeface="+mn-lt"/>
+                <a:ea typeface="+mn-ea"/>
+                <a:cs typeface="+mn-cs"/>
+              </a:defRPr>
+            </a:lvl2pPr>
+            <a:lvl3pPr marL="1143000" indent="-228600" algn="l" defTabSz="914400" rtl="0" eaLnBrk="1" latinLnBrk="0" hangingPunct="1">
+              <a:lnSpc>
+                <a:spcPct val="90000"/>
+              </a:lnSpc>
+              <a:spcBef>
+                <a:spcPts val="500"/>
+              </a:spcBef>
+              <a:buFont typeface="Arial" panose="020B0604020202020204" pitchFamily="34" charset="0"/>
+              <a:buChar char="•"/>
+              <a:defRPr sz="2000" kern="1200">
+                <a:solidFill>
+                  <a:schemeClr val="tx1"/>
+                </a:solidFill>
+                <a:latin typeface="+mn-lt"/>
+                <a:ea typeface="+mn-ea"/>
+                <a:cs typeface="+mn-cs"/>
+              </a:defRPr>
+            </a:lvl3pPr>
+            <a:lvl4pPr marL="1600200" indent="-228600" algn="l" defTabSz="914400" rtl="0" eaLnBrk="1" latinLnBrk="0" hangingPunct="1">
+              <a:lnSpc>
+                <a:spcPct val="90000"/>
+              </a:lnSpc>
+              <a:spcBef>
+                <a:spcPts val="500"/>
+              </a:spcBef>
+              <a:buFont typeface="Arial" panose="020B0604020202020204" pitchFamily="34" charset="0"/>
+              <a:buChar char="•"/>
+              <a:defRPr sz="1800" kern="1200">
+                <a:solidFill>
+                  <a:schemeClr val="tx1"/>
+                </a:solidFill>
+                <a:latin typeface="+mn-lt"/>
+                <a:ea typeface="+mn-ea"/>
+                <a:cs typeface="+mn-cs"/>
+              </a:defRPr>
+            </a:lvl4pPr>
+            <a:lvl5pPr marL="2057400" indent="-228600" algn="l" defTabSz="914400" rtl="0" eaLnBrk="1" latinLnBrk="0" hangingPunct="1">
+              <a:lnSpc>
+                <a:spcPct val="90000"/>
+              </a:lnSpc>
+              <a:spcBef>
+                <a:spcPts val="500"/>
+              </a:spcBef>
+              <a:buFont typeface="Arial" panose="020B0604020202020204" pitchFamily="34" charset="0"/>
+              <a:buChar char="•"/>
+              <a:defRPr sz="1800" kern="1200">
+                <a:solidFill>
+                  <a:schemeClr val="tx1"/>
+                </a:solidFill>
+                <a:latin typeface="+mn-lt"/>
+                <a:ea typeface="+mn-ea"/>
+                <a:cs typeface="+mn-cs"/>
+              </a:defRPr>
+            </a:lvl5pPr>
+            <a:lvl6pPr marL="2514600" indent="-228600" algn="l" defTabSz="914400" rtl="0" eaLnBrk="1" latinLnBrk="0" hangingPunct="1">
+              <a:lnSpc>
+                <a:spcPct val="90000"/>
+              </a:lnSpc>
+              <a:spcBef>
+                <a:spcPts val="500"/>
+              </a:spcBef>
+              <a:buFont typeface="Arial" panose="020B0604020202020204" pitchFamily="34" charset="0"/>
+              <a:buChar char="•"/>
+              <a:defRPr sz="1800" kern="1200">
+                <a:solidFill>
+                  <a:schemeClr val="tx1"/>
+                </a:solidFill>
+                <a:latin typeface="+mn-lt"/>
+                <a:ea typeface="+mn-ea"/>
+                <a:cs typeface="+mn-cs"/>
+              </a:defRPr>
+            </a:lvl6pPr>
+            <a:lvl7pPr marL="2971800" indent="-228600" algn="l" defTabSz="914400" rtl="0" eaLnBrk="1" latinLnBrk="0" hangingPunct="1">
+              <a:lnSpc>
+                <a:spcPct val="90000"/>
+              </a:lnSpc>
+              <a:spcBef>
+                <a:spcPts val="500"/>
+              </a:spcBef>
+              <a:buFont typeface="Arial" panose="020B0604020202020204" pitchFamily="34" charset="0"/>
+              <a:buChar char="•"/>
+              <a:defRPr sz="1800" kern="1200">
+                <a:solidFill>
+                  <a:schemeClr val="tx1"/>
+                </a:solidFill>
+                <a:latin typeface="+mn-lt"/>
+                <a:ea typeface="+mn-ea"/>
+                <a:cs typeface="+mn-cs"/>
+              </a:defRPr>
+            </a:lvl7pPr>
+            <a:lvl8pPr marL="3429000" indent="-228600" algn="l" defTabSz="914400" rtl="0" eaLnBrk="1" latinLnBrk="0" hangingPunct="1">
+              <a:lnSpc>
+                <a:spcPct val="90000"/>
+              </a:lnSpc>
+              <a:spcBef>
+                <a:spcPts val="500"/>
+              </a:spcBef>
+              <a:buFont typeface="Arial" panose="020B0604020202020204" pitchFamily="34" charset="0"/>
+              <a:buChar char="•"/>
+              <a:defRPr sz="1800" kern="1200">
+                <a:solidFill>
+                  <a:schemeClr val="tx1"/>
+                </a:solidFill>
+                <a:latin typeface="+mn-lt"/>
+                <a:ea typeface="+mn-ea"/>
+                <a:cs typeface="+mn-cs"/>
+              </a:defRPr>
+            </a:lvl8pPr>
+            <a:lvl9pPr marL="3886200" indent="-228600" algn="l" defTabSz="914400" rtl="0" eaLnBrk="1" latinLnBrk="0" hangingPunct="1">
+              <a:lnSpc>
+                <a:spcPct val="90000"/>
+              </a:lnSpc>
+              <a:spcBef>
+                <a:spcPts val="500"/>
+              </a:spcBef>
+              <a:buFont typeface="Arial" panose="020B0604020202020204" pitchFamily="34" charset="0"/>
+              <a:buChar char="•"/>
+              <a:defRPr sz="1800" kern="1200">
+                <a:solidFill>
+                  <a:schemeClr val="tx1"/>
+                </a:solidFill>
+                <a:latin typeface="+mn-lt"/>
+                <a:ea typeface="+mn-ea"/>
+                <a:cs typeface="+mn-cs"/>
+              </a:defRPr>
+            </a:lvl9pPr>
+          </a:lstStyle>
+          <a:p>
+            <a:pPr lvl="1"/>
+            <a:r>
+              <a:rPr lang="fr-FR" sz="3200" dirty="0"/>
+              <a:t>Record: 699 </a:t>
+            </a:r>
+            <a:r>
+              <a:rPr lang="fr-FR" sz="3200" dirty="0" err="1"/>
+              <a:t>letters</a:t>
+            </a:r>
+            <a:r>
+              <a:rPr lang="fr-FR" sz="3200" dirty="0"/>
+              <a:t> for a single user</a:t>
+            </a:r>
+          </a:p>
+        </p:txBody>
+      </p:sp>
+      <p:sp>
+        <p:nvSpPr>
+          <p:cNvPr id="17" name="Content Placeholder 2"/>
+          <p:cNvSpPr txBox="1">
+            <a:spLocks/>
+          </p:cNvSpPr>
+          <p:nvPr/>
+        </p:nvSpPr>
+        <p:spPr>
+          <a:xfrm>
+            <a:off x="4578828" y="5663189"/>
+            <a:ext cx="7719911" cy="648130"/>
+          </a:xfrm>
+          <a:prstGeom prst="rect">
+            <a:avLst/>
+          </a:prstGeom>
+        </p:spPr>
+        <p:txBody>
+          <a:bodyPr vert="horz" lIns="91440" tIns="45720" rIns="91440" bIns="45720" rtlCol="0">
+            <a:normAutofit/>
+          </a:bodyPr>
+          <a:lstStyle>
+            <a:lvl1pPr marL="228600" indent="-228600" algn="l" defTabSz="914400" rtl="0" eaLnBrk="1" latinLnBrk="0" hangingPunct="1">
+              <a:lnSpc>
+                <a:spcPct val="90000"/>
+              </a:lnSpc>
+              <a:spcBef>
+                <a:spcPts val="1000"/>
+              </a:spcBef>
+              <a:buFont typeface="Arial" panose="020B0604020202020204" pitchFamily="34" charset="0"/>
+              <a:buChar char="•"/>
+              <a:defRPr sz="2800" kern="1200">
+                <a:solidFill>
+                  <a:schemeClr val="tx1"/>
+                </a:solidFill>
+                <a:latin typeface="+mn-lt"/>
+                <a:ea typeface="+mn-ea"/>
+                <a:cs typeface="+mn-cs"/>
+              </a:defRPr>
+            </a:lvl1pPr>
+            <a:lvl2pPr marL="685800" indent="-228600" algn="l" defTabSz="914400" rtl="0" eaLnBrk="1" latinLnBrk="0" hangingPunct="1">
+              <a:lnSpc>
+                <a:spcPct val="90000"/>
+              </a:lnSpc>
+              <a:spcBef>
+                <a:spcPts val="500"/>
+              </a:spcBef>
+              <a:buFont typeface="Arial" panose="020B0604020202020204" pitchFamily="34" charset="0"/>
+              <a:buChar char="•"/>
+              <a:defRPr sz="2400" kern="1200">
+                <a:solidFill>
+                  <a:schemeClr val="tx1"/>
+                </a:solidFill>
+                <a:latin typeface="+mn-lt"/>
+                <a:ea typeface="+mn-ea"/>
+                <a:cs typeface="+mn-cs"/>
+              </a:defRPr>
+            </a:lvl2pPr>
+            <a:lvl3pPr marL="1143000" indent="-228600" algn="l" defTabSz="914400" rtl="0" eaLnBrk="1" latinLnBrk="0" hangingPunct="1">
+              <a:lnSpc>
+                <a:spcPct val="90000"/>
+              </a:lnSpc>
+              <a:spcBef>
+                <a:spcPts val="500"/>
+              </a:spcBef>
+              <a:buFont typeface="Arial" panose="020B0604020202020204" pitchFamily="34" charset="0"/>
+              <a:buChar char="•"/>
+              <a:defRPr sz="2000" kern="1200">
+                <a:solidFill>
+                  <a:schemeClr val="tx1"/>
+                </a:solidFill>
+                <a:latin typeface="+mn-lt"/>
+                <a:ea typeface="+mn-ea"/>
+                <a:cs typeface="+mn-cs"/>
+              </a:defRPr>
+            </a:lvl3pPr>
+            <a:lvl4pPr marL="1600200" indent="-228600" algn="l" defTabSz="914400" rtl="0" eaLnBrk="1" latinLnBrk="0" hangingPunct="1">
+              <a:lnSpc>
+                <a:spcPct val="90000"/>
+              </a:lnSpc>
+              <a:spcBef>
+                <a:spcPts val="500"/>
+              </a:spcBef>
+              <a:buFont typeface="Arial" panose="020B0604020202020204" pitchFamily="34" charset="0"/>
+              <a:buChar char="•"/>
+              <a:defRPr sz="1800" kern="1200">
+                <a:solidFill>
+                  <a:schemeClr val="tx1"/>
+                </a:solidFill>
+                <a:latin typeface="+mn-lt"/>
+                <a:ea typeface="+mn-ea"/>
+                <a:cs typeface="+mn-cs"/>
+              </a:defRPr>
+            </a:lvl4pPr>
+            <a:lvl5pPr marL="2057400" indent="-228600" algn="l" defTabSz="914400" rtl="0" eaLnBrk="1" latinLnBrk="0" hangingPunct="1">
+              <a:lnSpc>
+                <a:spcPct val="90000"/>
+              </a:lnSpc>
+              <a:spcBef>
+                <a:spcPts val="500"/>
+              </a:spcBef>
+              <a:buFont typeface="Arial" panose="020B0604020202020204" pitchFamily="34" charset="0"/>
+              <a:buChar char="•"/>
+              <a:defRPr sz="1800" kern="1200">
+                <a:solidFill>
+                  <a:schemeClr val="tx1"/>
+                </a:solidFill>
+                <a:latin typeface="+mn-lt"/>
+                <a:ea typeface="+mn-ea"/>
+                <a:cs typeface="+mn-cs"/>
+              </a:defRPr>
+            </a:lvl5pPr>
+            <a:lvl6pPr marL="2514600" indent="-228600" algn="l" defTabSz="914400" rtl="0" eaLnBrk="1" latinLnBrk="0" hangingPunct="1">
+              <a:lnSpc>
+                <a:spcPct val="90000"/>
+              </a:lnSpc>
+              <a:spcBef>
+                <a:spcPts val="500"/>
+              </a:spcBef>
+              <a:buFont typeface="Arial" panose="020B0604020202020204" pitchFamily="34" charset="0"/>
+              <a:buChar char="•"/>
+              <a:defRPr sz="1800" kern="1200">
+                <a:solidFill>
+                  <a:schemeClr val="tx1"/>
+                </a:solidFill>
+                <a:latin typeface="+mn-lt"/>
+                <a:ea typeface="+mn-ea"/>
+                <a:cs typeface="+mn-cs"/>
+              </a:defRPr>
+            </a:lvl6pPr>
+            <a:lvl7pPr marL="2971800" indent="-228600" algn="l" defTabSz="914400" rtl="0" eaLnBrk="1" latinLnBrk="0" hangingPunct="1">
+              <a:lnSpc>
+                <a:spcPct val="90000"/>
+              </a:lnSpc>
+              <a:spcBef>
+                <a:spcPts val="500"/>
+              </a:spcBef>
+              <a:buFont typeface="Arial" panose="020B0604020202020204" pitchFamily="34" charset="0"/>
+              <a:buChar char="•"/>
+              <a:defRPr sz="1800" kern="1200">
+                <a:solidFill>
+                  <a:schemeClr val="tx1"/>
+                </a:solidFill>
+                <a:latin typeface="+mn-lt"/>
+                <a:ea typeface="+mn-ea"/>
+                <a:cs typeface="+mn-cs"/>
+              </a:defRPr>
+            </a:lvl7pPr>
+            <a:lvl8pPr marL="3429000" indent="-228600" algn="l" defTabSz="914400" rtl="0" eaLnBrk="1" latinLnBrk="0" hangingPunct="1">
+              <a:lnSpc>
+                <a:spcPct val="90000"/>
+              </a:lnSpc>
+              <a:spcBef>
+                <a:spcPts val="500"/>
+              </a:spcBef>
+              <a:buFont typeface="Arial" panose="020B0604020202020204" pitchFamily="34" charset="0"/>
+              <a:buChar char="•"/>
+              <a:defRPr sz="1800" kern="1200">
+                <a:solidFill>
+                  <a:schemeClr val="tx1"/>
+                </a:solidFill>
+                <a:latin typeface="+mn-lt"/>
+                <a:ea typeface="+mn-ea"/>
+                <a:cs typeface="+mn-cs"/>
+              </a:defRPr>
+            </a:lvl8pPr>
+            <a:lvl9pPr marL="3886200" indent="-228600" algn="l" defTabSz="914400" rtl="0" eaLnBrk="1" latinLnBrk="0" hangingPunct="1">
+              <a:lnSpc>
+                <a:spcPct val="90000"/>
+              </a:lnSpc>
+              <a:spcBef>
+                <a:spcPts val="500"/>
+              </a:spcBef>
+              <a:buFont typeface="Arial" panose="020B0604020202020204" pitchFamily="34" charset="0"/>
+              <a:buChar char="•"/>
+              <a:defRPr sz="1800" kern="1200">
+                <a:solidFill>
+                  <a:schemeClr val="tx1"/>
+                </a:solidFill>
+                <a:latin typeface="+mn-lt"/>
+                <a:ea typeface="+mn-ea"/>
+                <a:cs typeface="+mn-cs"/>
+              </a:defRPr>
+            </a:lvl9pPr>
+          </a:lstStyle>
+          <a:p>
+            <a:r>
+              <a:rPr lang="fr-FR" sz="3200" dirty="0" err="1"/>
+              <a:t>Some</a:t>
+            </a:r>
+            <a:r>
+              <a:rPr lang="fr-FR" sz="3200" dirty="0"/>
+              <a:t> anomalies </a:t>
+            </a:r>
+            <a:r>
+              <a:rPr lang="fr-FR" sz="3200" dirty="0" err="1"/>
+              <a:t>flagged</a:t>
+            </a:r>
+            <a:endParaRPr lang="fr-FR" sz="3200" dirty="0"/>
+          </a:p>
+        </p:txBody>
+      </p:sp>
+      <p:pic>
+        <p:nvPicPr>
+          <p:cNvPr id="18" name="Picture 17"/>
+          <p:cNvPicPr>
+            <a:picLocks noChangeAspect="1"/>
+          </p:cNvPicPr>
+          <p:nvPr/>
+        </p:nvPicPr>
+        <p:blipFill>
+          <a:blip r:embed="rId5"/>
+          <a:stretch>
+            <a:fillRect/>
+          </a:stretch>
+        </p:blipFill>
+        <p:spPr>
+          <a:xfrm>
+            <a:off x="201635" y="2303852"/>
+            <a:ext cx="3662050" cy="3844285"/>
+          </a:xfrm>
+          <a:prstGeom prst="rect">
+            <a:avLst/>
+          </a:prstGeom>
+        </p:spPr>
+      </p:pic>
+      <p:pic>
+        <p:nvPicPr>
+          <p:cNvPr id="21" name="Picture 20"/>
+          <p:cNvPicPr>
+            <a:picLocks noChangeAspect="1"/>
+          </p:cNvPicPr>
+          <p:nvPr/>
+        </p:nvPicPr>
+        <p:blipFill>
+          <a:blip r:embed="rId6"/>
+          <a:stretch>
+            <a:fillRect/>
+          </a:stretch>
+        </p:blipFill>
+        <p:spPr>
+          <a:xfrm>
+            <a:off x="4833332" y="4552236"/>
+            <a:ext cx="2042337" cy="960203"/>
+          </a:xfrm>
+          <a:prstGeom prst="rect">
+            <a:avLst/>
+          </a:prstGeom>
+        </p:spPr>
+      </p:pic>
+      <p:pic>
+        <p:nvPicPr>
+          <p:cNvPr id="22" name="Picture 21"/>
+          <p:cNvPicPr>
+            <a:picLocks noChangeAspect="1"/>
+          </p:cNvPicPr>
+          <p:nvPr/>
+        </p:nvPicPr>
+        <p:blipFill>
+          <a:blip r:embed="rId7"/>
+          <a:stretch>
+            <a:fillRect/>
+          </a:stretch>
+        </p:blipFill>
+        <p:spPr>
+          <a:xfrm>
+            <a:off x="6891790" y="4561698"/>
+            <a:ext cx="3093988" cy="929721"/>
+          </a:xfrm>
+          <a:prstGeom prst="rect">
+            <a:avLst/>
+          </a:prstGeom>
+        </p:spPr>
+      </p:pic>
+      <p:pic>
+        <p:nvPicPr>
+          <p:cNvPr id="23" name="Picture 22"/>
+          <p:cNvPicPr>
+            <a:picLocks noChangeAspect="1"/>
+          </p:cNvPicPr>
+          <p:nvPr/>
+        </p:nvPicPr>
+        <p:blipFill>
+          <a:blip r:embed="rId8"/>
+          <a:stretch>
+            <a:fillRect/>
+          </a:stretch>
+        </p:blipFill>
+        <p:spPr>
+          <a:xfrm>
+            <a:off x="9033156" y="5663189"/>
+            <a:ext cx="929721" cy="960203"/>
+          </a:xfrm>
+          <a:prstGeom prst="rect">
+            <a:avLst/>
+          </a:prstGeom>
+        </p:spPr>
+      </p:pic>
+    </p:spTree>
+    <p:extLst>
+      <p:ext uri="{BB962C8B-B14F-4D97-AF65-F5344CB8AC3E}">
+        <p14:creationId xmlns:p14="http://schemas.microsoft.com/office/powerpoint/2010/main" val="3619405776"/>
+      </p:ext>
+    </p:extLst>
+  </p:cSld>
+  <p:clrMapOvr>
+    <a:masterClrMapping/>
+  </p:clrMapOvr>
+  <p:timing>
+    <p:tnLst>
+      <p:par>
+        <p:cTn id="1" dur="indefinite" restart="never" nodeType="tmRoot">
+          <p:childTnLst>
+            <p:seq concurrent="1" nextAc="seek">
+              <p:cTn id="2" dur="indefinite" nodeType="mainSeq">
+                <p:childTnLst>
+                  <p:par>
+                    <p:cTn id="3" fill="hold">
+                      <p:stCondLst>
+                        <p:cond delay="indefinite"/>
+                      </p:stCondLst>
+                      <p:childTnLst>
+                        <p:par>
+                          <p:cTn id="4" fill="hold">
+                            <p:stCondLst>
+                              <p:cond delay="0"/>
+                            </p:stCondLst>
+                            <p:childTnLst>
+                              <p:par>
+                                <p:cTn id="5" presetID="1" presetClass="entr" presetSubtype="0" fill="hold" grpId="0" nodeType="clickEffect">
+                                  <p:stCondLst>
+                                    <p:cond delay="0"/>
+                                  </p:stCondLst>
+                                  <p:childTnLst>
+                                    <p:set>
+                                      <p:cBhvr>
+                                        <p:cTn id="6" dur="1" fill="hold">
+                                          <p:stCondLst>
+                                            <p:cond delay="0"/>
+                                          </p:stCondLst>
+                                        </p:cTn>
+                                        <p:tgtEl>
+                                          <p:spTgt spid="16"/>
+                                        </p:tgtEl>
+                                        <p:attrNameLst>
+                                          <p:attrName>style.visibility</p:attrName>
+                                        </p:attrNameLst>
+                                      </p:cBhvr>
+                                      <p:to>
+                                        <p:strVal val="visible"/>
+                                      </p:to>
+                                    </p:set>
+                                  </p:childTnLst>
+                                </p:cTn>
+                              </p:par>
+                            </p:childTnLst>
+                          </p:cTn>
+                        </p:par>
+                      </p:childTnLst>
+                    </p:cTn>
+                  </p:par>
+                  <p:par>
+                    <p:cTn id="7" fill="hold">
+                      <p:stCondLst>
+                        <p:cond delay="indefinite"/>
+                      </p:stCondLst>
+                      <p:childTnLst>
+                        <p:par>
+                          <p:cTn id="8" fill="hold">
+                            <p:stCondLst>
+                              <p:cond delay="0"/>
+                            </p:stCondLst>
+                            <p:childTnLst>
+                              <p:par>
+                                <p:cTn id="9" presetID="1" presetClass="entr" presetSubtype="0" fill="hold" nodeType="clickEffect">
+                                  <p:stCondLst>
+                                    <p:cond delay="0"/>
+                                  </p:stCondLst>
+                                  <p:childTnLst>
+                                    <p:set>
+                                      <p:cBhvr>
+                                        <p:cTn id="10" dur="1" fill="hold">
+                                          <p:stCondLst>
+                                            <p:cond delay="0"/>
+                                          </p:stCondLst>
+                                        </p:cTn>
+                                        <p:tgtEl>
+                                          <p:spTgt spid="21"/>
+                                        </p:tgtEl>
+                                        <p:attrNameLst>
+                                          <p:attrName>style.visibility</p:attrName>
+                                        </p:attrNameLst>
+                                      </p:cBhvr>
+                                      <p:to>
+                                        <p:strVal val="visible"/>
+                                      </p:to>
+                                    </p:set>
+                                  </p:childTnLst>
+                                </p:cTn>
+                              </p:par>
+                              <p:par>
+                                <p:cTn id="11" presetID="1" presetClass="entr" presetSubtype="0" fill="hold" nodeType="withEffect">
+                                  <p:stCondLst>
+                                    <p:cond delay="0"/>
+                                  </p:stCondLst>
+                                  <p:childTnLst>
+                                    <p:set>
+                                      <p:cBhvr>
+                                        <p:cTn id="12" dur="1" fill="hold">
+                                          <p:stCondLst>
+                                            <p:cond delay="0"/>
+                                          </p:stCondLst>
+                                        </p:cTn>
+                                        <p:tgtEl>
+                                          <p:spTgt spid="22"/>
+                                        </p:tgtEl>
+                                        <p:attrNameLst>
+                                          <p:attrName>style.visibility</p:attrName>
+                                        </p:attrNameLst>
+                                      </p:cBhvr>
+                                      <p:to>
+                                        <p:strVal val="visible"/>
+                                      </p:to>
+                                    </p:set>
+                                  </p:childTnLst>
+                                </p:cTn>
+                              </p:par>
+                            </p:childTnLst>
+                          </p:cTn>
+                        </p:par>
+                      </p:childTnLst>
+                    </p:cTn>
+                  </p:par>
+                  <p:par>
+                    <p:cTn id="13" fill="hold">
+                      <p:stCondLst>
+                        <p:cond delay="indefinite"/>
+                      </p:stCondLst>
+                      <p:childTnLst>
+                        <p:par>
+                          <p:cTn id="14" fill="hold">
+                            <p:stCondLst>
+                              <p:cond delay="0"/>
+                            </p:stCondLst>
+                            <p:childTnLst>
+                              <p:par>
+                                <p:cTn id="15" presetID="1" presetClass="entr" presetSubtype="0" fill="hold" grpId="0" nodeType="clickEffect">
+                                  <p:stCondLst>
+                                    <p:cond delay="0"/>
+                                  </p:stCondLst>
+                                  <p:childTnLst>
+                                    <p:set>
+                                      <p:cBhvr>
+                                        <p:cTn id="16" dur="1" fill="hold">
+                                          <p:stCondLst>
+                                            <p:cond delay="0"/>
+                                          </p:stCondLst>
+                                        </p:cTn>
+                                        <p:tgtEl>
+                                          <p:spTgt spid="17"/>
+                                        </p:tgtEl>
+                                        <p:attrNameLst>
+                                          <p:attrName>style.visibility</p:attrName>
+                                        </p:attrNameLst>
+                                      </p:cBhvr>
+                                      <p:to>
+                                        <p:strVal val="visible"/>
+                                      </p:to>
+                                    </p:set>
+                                  </p:childTnLst>
+                                </p:cTn>
+                              </p:par>
+                              <p:par>
+                                <p:cTn id="17" presetID="1" presetClass="entr" presetSubtype="0" fill="hold" nodeType="withEffect">
+                                  <p:stCondLst>
+                                    <p:cond delay="0"/>
+                                  </p:stCondLst>
+                                  <p:childTnLst>
+                                    <p:set>
+                                      <p:cBhvr>
+                                        <p:cTn id="18" dur="1" fill="hold">
+                                          <p:stCondLst>
+                                            <p:cond delay="0"/>
+                                          </p:stCondLst>
+                                        </p:cTn>
+                                        <p:tgtEl>
+                                          <p:spTgt spid="23"/>
+                                        </p:tgtEl>
+                                        <p:attrNameLst>
+                                          <p:attrName>style.visibility</p:attrName>
+                                        </p:attrNameLst>
+                                      </p:cBhvr>
+                                      <p:to>
+                                        <p:strVal val="visible"/>
+                                      </p:to>
+                                    </p:set>
+                                  </p:childTnLst>
+                                </p:cTn>
+                              </p:par>
+                            </p:childTnLst>
+                          </p:cTn>
+                        </p:par>
+                      </p:childTnLst>
+                    </p:cTn>
+                  </p:par>
+                  <p:par>
+                    <p:cTn id="19" fill="hold">
+                      <p:stCondLst>
+                        <p:cond delay="indefinite"/>
+                      </p:stCondLst>
+                      <p:childTnLst>
+                        <p:par>
+                          <p:cTn id="20" fill="hold">
+                            <p:stCondLst>
+                              <p:cond delay="0"/>
+                            </p:stCondLst>
+                            <p:childTnLst>
+                              <p:par>
+                                <p:cTn id="21" presetID="1" presetClass="entr" presetSubtype="0" fill="hold" nodeType="clickEffect">
+                                  <p:stCondLst>
+                                    <p:cond delay="0"/>
+                                  </p:stCondLst>
+                                  <p:childTnLst>
+                                    <p:set>
+                                      <p:cBhvr>
+                                        <p:cTn id="22" dur="1" fill="hold">
+                                          <p:stCondLst>
+                                            <p:cond delay="0"/>
+                                          </p:stCondLst>
+                                        </p:cTn>
+                                        <p:tgtEl>
+                                          <p:spTgt spid="18"/>
+                                        </p:tgtEl>
+                                        <p:attrNameLst>
+                                          <p:attrName>style.visibility</p:attrName>
+                                        </p:attrNameLst>
+                                      </p:cBhvr>
+                                      <p:to>
+                                        <p:strVal val="visible"/>
+                                      </p:to>
+                                    </p:set>
+                                  </p:childTnLst>
+                                </p:cTn>
+                              </p:par>
+                            </p:childTnLst>
+                          </p:cTn>
+                        </p:par>
+                      </p:childTnLst>
+                    </p:cTn>
+                  </p:par>
+                </p:childTnLst>
+              </p:cTn>
+              <p:prevCondLst>
+                <p:cond evt="onPrev" delay="0">
+                  <p:tgtEl>
+                    <p:sldTgt/>
+                  </p:tgtEl>
+                </p:cond>
+              </p:prevCondLst>
+              <p:nextCondLst>
+                <p:cond evt="onNext" delay="0">
+                  <p:tgtEl>
+                    <p:sldTgt/>
+                  </p:tgtEl>
+                </p:cond>
+              </p:nextCondLst>
+            </p:seq>
+          </p:childTnLst>
+        </p:cTn>
+      </p:par>
+    </p:tnLst>
+    <p:bldLst>
+      <p:bldP spid="16" grpId="0"/>
+      <p:bldP spid="17" grpId="0"/>
+    </p:bldLst>
+  </p:timing>
+</p:sld>
+</file>
+
+<file path=ppt/slides/slide4.xml><?xml version="1.0" encoding="utf-8"?>
+<p:sld xmlns:a="http://schemas.openxmlformats.org/drawingml/2006/main" xmlns:r="http://schemas.openxmlformats.org/officeDocument/2006/relationships" xmlns:p="http://schemas.openxmlformats.org/presentationml/2006/main">
+  <p:cSld>
+    <p:spTree>
+      <p:nvGrpSpPr>
+        <p:cNvPr id="1" name=""/>
+        <p:cNvGrpSpPr/>
+        <p:nvPr/>
+      </p:nvGrpSpPr>
+      <p:grpSpPr>
+        <a:xfrm>
+          <a:off x="0" y="0"/>
+          <a:ext cx="0" cy="0"/>
+          <a:chOff x="0" y="0"/>
+          <a:chExt cx="0" cy="0"/>
+        </a:xfrm>
+      </p:grpSpPr>
+      <p:sp>
+        <p:nvSpPr>
+          <p:cNvPr id="2" name="Title 1"/>
+          <p:cNvSpPr>
+            <a:spLocks noGrp="1"/>
+          </p:cNvSpPr>
+          <p:nvPr>
+            <p:ph type="title"/>
+          </p:nvPr>
+        </p:nvSpPr>
+        <p:spPr>
+          <a:xfrm>
+            <a:off x="4809393" y="561356"/>
+            <a:ext cx="6544407" cy="1325563"/>
+          </a:xfrm>
+        </p:spPr>
+        <p:txBody>
+          <a:bodyPr>
+            <a:normAutofit/>
+          </a:bodyPr>
+          <a:lstStyle/>
+          <a:p>
+            <a:r>
+              <a:rPr lang="fr-FR" sz="4800" b="1" dirty="0" err="1"/>
+              <a:t>Cyrillic-oriented</a:t>
+            </a:r>
+            <a:r>
+              <a:rPr lang="fr-FR" sz="4800" b="1" dirty="0"/>
+              <a:t> MNIST</a:t>
+            </a:r>
+          </a:p>
+        </p:txBody>
+      </p:sp>
+      <p:pic>
+        <p:nvPicPr>
+          <p:cNvPr id="4" name="Content Placeholder 3"/>
+          <p:cNvPicPr>
+            <a:picLocks noGrp="1" noChangeAspect="1"/>
+          </p:cNvPicPr>
+          <p:nvPr>
+            <p:ph idx="1"/>
+          </p:nvPr>
+        </p:nvPicPr>
+        <p:blipFill>
+          <a:blip r:embed="rId2">
+            <a:extLst>
+              <a:ext uri="{28A0092B-C50C-407E-A947-70E740481C1C}">
+                <a14:useLocalDpi xmlns:a14="http://schemas.microsoft.com/office/drawing/2010/main" val="0"/>
+              </a:ext>
+            </a:extLst>
+          </a:blip>
+          <a:stretch>
+            <a:fillRect/>
+          </a:stretch>
+        </p:blipFill>
+        <p:spPr>
+          <a:xfrm>
+            <a:off x="289806" y="0"/>
+            <a:ext cx="4000839" cy="2448275"/>
+          </a:xfrm>
+        </p:spPr>
+      </p:pic>
+      <p:sp>
+        <p:nvSpPr>
+          <p:cNvPr id="5" name="Content Placeholder 2"/>
+          <p:cNvSpPr txBox="1">
+            <a:spLocks/>
+          </p:cNvSpPr>
+          <p:nvPr/>
+        </p:nvSpPr>
+        <p:spPr>
+          <a:xfrm>
+            <a:off x="1705708" y="2448275"/>
+            <a:ext cx="9648092" cy="3728687"/>
+          </a:xfrm>
+          <a:prstGeom prst="rect">
+            <a:avLst/>
+          </a:prstGeom>
+        </p:spPr>
+        <p:txBody>
+          <a:bodyPr vert="horz" lIns="91440" tIns="45720" rIns="91440" bIns="45720" rtlCol="0">
+            <a:normAutofit fontScale="92500" lnSpcReduction="10000"/>
+          </a:bodyPr>
+          <a:lstStyle>
+            <a:lvl1pPr marL="228600" indent="-228600" algn="l" defTabSz="914400" rtl="0" eaLnBrk="1" latinLnBrk="0" hangingPunct="1">
+              <a:lnSpc>
+                <a:spcPct val="90000"/>
+              </a:lnSpc>
+              <a:spcBef>
+                <a:spcPts val="1000"/>
+              </a:spcBef>
+              <a:buFont typeface="Arial" panose="020B0604020202020204" pitchFamily="34" charset="0"/>
+              <a:buChar char="•"/>
+              <a:defRPr sz="2800" kern="1200">
+                <a:solidFill>
+                  <a:schemeClr val="tx1"/>
+                </a:solidFill>
+                <a:latin typeface="+mn-lt"/>
+                <a:ea typeface="+mn-ea"/>
+                <a:cs typeface="+mn-cs"/>
+              </a:defRPr>
+            </a:lvl1pPr>
+            <a:lvl2pPr marL="685800" indent="-228600" algn="l" defTabSz="914400" rtl="0" eaLnBrk="1" latinLnBrk="0" hangingPunct="1">
+              <a:lnSpc>
+                <a:spcPct val="90000"/>
+              </a:lnSpc>
+              <a:spcBef>
+                <a:spcPts val="500"/>
+              </a:spcBef>
+              <a:buFont typeface="Arial" panose="020B0604020202020204" pitchFamily="34" charset="0"/>
+              <a:buChar char="•"/>
+              <a:defRPr sz="2400" kern="1200">
+                <a:solidFill>
+                  <a:schemeClr val="tx1"/>
+                </a:solidFill>
+                <a:latin typeface="+mn-lt"/>
+                <a:ea typeface="+mn-ea"/>
+                <a:cs typeface="+mn-cs"/>
+              </a:defRPr>
+            </a:lvl2pPr>
+            <a:lvl3pPr marL="1143000" indent="-228600" algn="l" defTabSz="914400" rtl="0" eaLnBrk="1" latinLnBrk="0" hangingPunct="1">
+              <a:lnSpc>
+                <a:spcPct val="90000"/>
+              </a:lnSpc>
+              <a:spcBef>
+                <a:spcPts val="500"/>
+              </a:spcBef>
+              <a:buFont typeface="Arial" panose="020B0604020202020204" pitchFamily="34" charset="0"/>
+              <a:buChar char="•"/>
+              <a:defRPr sz="2000" kern="1200">
+                <a:solidFill>
+                  <a:schemeClr val="tx1"/>
+                </a:solidFill>
+                <a:latin typeface="+mn-lt"/>
+                <a:ea typeface="+mn-ea"/>
+                <a:cs typeface="+mn-cs"/>
+              </a:defRPr>
+            </a:lvl3pPr>
+            <a:lvl4pPr marL="1600200" indent="-228600" algn="l" defTabSz="914400" rtl="0" eaLnBrk="1" latinLnBrk="0" hangingPunct="1">
+              <a:lnSpc>
+                <a:spcPct val="90000"/>
+              </a:lnSpc>
+              <a:spcBef>
+                <a:spcPts val="500"/>
+              </a:spcBef>
+              <a:buFont typeface="Arial" panose="020B0604020202020204" pitchFamily="34" charset="0"/>
+              <a:buChar char="•"/>
+              <a:defRPr sz="1800" kern="1200">
+                <a:solidFill>
+                  <a:schemeClr val="tx1"/>
+                </a:solidFill>
+                <a:latin typeface="+mn-lt"/>
+                <a:ea typeface="+mn-ea"/>
+                <a:cs typeface="+mn-cs"/>
+              </a:defRPr>
+            </a:lvl4pPr>
+            <a:lvl5pPr marL="2057400" indent="-228600" algn="l" defTabSz="914400" rtl="0" eaLnBrk="1" latinLnBrk="0" hangingPunct="1">
+              <a:lnSpc>
+                <a:spcPct val="90000"/>
+              </a:lnSpc>
+              <a:spcBef>
+                <a:spcPts val="500"/>
+              </a:spcBef>
+              <a:buFont typeface="Arial" panose="020B0604020202020204" pitchFamily="34" charset="0"/>
+              <a:buChar char="•"/>
+              <a:defRPr sz="1800" kern="1200">
+                <a:solidFill>
+                  <a:schemeClr val="tx1"/>
+                </a:solidFill>
+                <a:latin typeface="+mn-lt"/>
+                <a:ea typeface="+mn-ea"/>
+                <a:cs typeface="+mn-cs"/>
+              </a:defRPr>
+            </a:lvl5pPr>
+            <a:lvl6pPr marL="2514600" indent="-228600" algn="l" defTabSz="914400" rtl="0" eaLnBrk="1" latinLnBrk="0" hangingPunct="1">
+              <a:lnSpc>
+                <a:spcPct val="90000"/>
+              </a:lnSpc>
+              <a:spcBef>
+                <a:spcPts val="500"/>
+              </a:spcBef>
+              <a:buFont typeface="Arial" panose="020B0604020202020204" pitchFamily="34" charset="0"/>
+              <a:buChar char="•"/>
+              <a:defRPr sz="1800" kern="1200">
+                <a:solidFill>
+                  <a:schemeClr val="tx1"/>
+                </a:solidFill>
+                <a:latin typeface="+mn-lt"/>
+                <a:ea typeface="+mn-ea"/>
+                <a:cs typeface="+mn-cs"/>
+              </a:defRPr>
+            </a:lvl6pPr>
+            <a:lvl7pPr marL="2971800" indent="-228600" algn="l" defTabSz="914400" rtl="0" eaLnBrk="1" latinLnBrk="0" hangingPunct="1">
+              <a:lnSpc>
+                <a:spcPct val="90000"/>
+              </a:lnSpc>
+              <a:spcBef>
+                <a:spcPts val="500"/>
+              </a:spcBef>
+              <a:buFont typeface="Arial" panose="020B0604020202020204" pitchFamily="34" charset="0"/>
+              <a:buChar char="•"/>
+              <a:defRPr sz="1800" kern="1200">
+                <a:solidFill>
+                  <a:schemeClr val="tx1"/>
+                </a:solidFill>
+                <a:latin typeface="+mn-lt"/>
+                <a:ea typeface="+mn-ea"/>
+                <a:cs typeface="+mn-cs"/>
+              </a:defRPr>
+            </a:lvl7pPr>
+            <a:lvl8pPr marL="3429000" indent="-228600" algn="l" defTabSz="914400" rtl="0" eaLnBrk="1" latinLnBrk="0" hangingPunct="1">
+              <a:lnSpc>
+                <a:spcPct val="90000"/>
+              </a:lnSpc>
+              <a:spcBef>
+                <a:spcPts val="500"/>
+              </a:spcBef>
+              <a:buFont typeface="Arial" panose="020B0604020202020204" pitchFamily="34" charset="0"/>
+              <a:buChar char="•"/>
+              <a:defRPr sz="1800" kern="1200">
+                <a:solidFill>
+                  <a:schemeClr val="tx1"/>
+                </a:solidFill>
+                <a:latin typeface="+mn-lt"/>
+                <a:ea typeface="+mn-ea"/>
+                <a:cs typeface="+mn-cs"/>
+              </a:defRPr>
+            </a:lvl8pPr>
+            <a:lvl9pPr marL="3886200" indent="-228600" algn="l" defTabSz="914400" rtl="0" eaLnBrk="1" latinLnBrk="0" hangingPunct="1">
+              <a:lnSpc>
+                <a:spcPct val="90000"/>
+              </a:lnSpc>
+              <a:spcBef>
+                <a:spcPts val="500"/>
+              </a:spcBef>
+              <a:buFont typeface="Arial" panose="020B0604020202020204" pitchFamily="34" charset="0"/>
+              <a:buChar char="•"/>
+              <a:defRPr sz="1800" kern="1200">
+                <a:solidFill>
+                  <a:schemeClr val="tx1"/>
+                </a:solidFill>
+                <a:latin typeface="+mn-lt"/>
+                <a:ea typeface="+mn-ea"/>
+                <a:cs typeface="+mn-cs"/>
+              </a:defRPr>
+            </a:lvl9pPr>
+          </a:lstStyle>
+          <a:p>
+            <a:r>
+              <a:rPr lang="fr-FR" sz="4000" dirty="0"/>
+              <a:t>How </a:t>
+            </a:r>
+            <a:r>
+              <a:rPr lang="fr-FR" sz="4000" dirty="0" err="1"/>
+              <a:t>can</a:t>
+            </a:r>
+            <a:r>
+              <a:rPr lang="fr-FR" sz="4000" dirty="0"/>
+              <a:t> </a:t>
+            </a:r>
+            <a:r>
+              <a:rPr lang="fr-FR" sz="4000" dirty="0" err="1"/>
+              <a:t>you</a:t>
+            </a:r>
+            <a:r>
+              <a:rPr lang="fr-FR" sz="4000" dirty="0"/>
+              <a:t> help?</a:t>
+            </a:r>
+          </a:p>
+          <a:p>
+            <a:pPr lvl="1"/>
+            <a:r>
+              <a:rPr lang="fr-FR" sz="3200" dirty="0"/>
+              <a:t>Help me </a:t>
+            </a:r>
+            <a:r>
+              <a:rPr lang="fr-FR" sz="3200" dirty="0" err="1"/>
+              <a:t>build</a:t>
+            </a:r>
+            <a:r>
+              <a:rPr lang="fr-FR" sz="3200" dirty="0"/>
+              <a:t> the </a:t>
+            </a:r>
+            <a:r>
+              <a:rPr lang="fr-FR" sz="3200" dirty="0" err="1"/>
+              <a:t>dataset</a:t>
+            </a:r>
+            <a:r>
+              <a:rPr lang="fr-FR" sz="3200" dirty="0"/>
+              <a:t> by </a:t>
+            </a:r>
+            <a:r>
+              <a:rPr lang="fr-FR" sz="3200" dirty="0" err="1"/>
+              <a:t>drawing</a:t>
+            </a:r>
+            <a:r>
+              <a:rPr lang="fr-FR" sz="3200" dirty="0"/>
+              <a:t> </a:t>
+            </a:r>
+            <a:r>
+              <a:rPr lang="fr-FR" sz="3200" dirty="0" err="1"/>
+              <a:t>letters</a:t>
+            </a:r>
+            <a:r>
+              <a:rPr lang="fr-FR" sz="3200" dirty="0"/>
+              <a:t>:</a:t>
+            </a:r>
+          </a:p>
+          <a:p>
+            <a:pPr lvl="2"/>
+            <a:r>
+              <a:rPr lang="fr-FR" sz="2800" dirty="0"/>
+              <a:t>Latin: </a:t>
+            </a:r>
+            <a:r>
+              <a:rPr lang="fr-FR" sz="2800" dirty="0">
+                <a:hlinkClick r:id="rId3"/>
+              </a:rPr>
+              <a:t>http://comnist.gregvi.al</a:t>
+            </a:r>
+            <a:endParaRPr lang="fr-FR" sz="2800" dirty="0"/>
+          </a:p>
+          <a:p>
+            <a:pPr lvl="2"/>
+            <a:r>
+              <a:rPr lang="fr-FR" sz="2800" dirty="0" err="1"/>
+              <a:t>Cyrillic</a:t>
+            </a:r>
+            <a:r>
+              <a:rPr lang="fr-FR" sz="2800" dirty="0"/>
+              <a:t> :</a:t>
+            </a:r>
+            <a:r>
+              <a:rPr lang="fr-FR" sz="2800" dirty="0">
+                <a:hlinkClick r:id="rId4"/>
+              </a:rPr>
+              <a:t>http://comnist.gregvi.al/?ru</a:t>
+            </a:r>
+            <a:endParaRPr lang="fr-FR" sz="2800" dirty="0"/>
+          </a:p>
+          <a:p>
+            <a:pPr lvl="1"/>
+            <a:r>
+              <a:rPr lang="fr-FR" sz="3600" dirty="0"/>
+              <a:t>Share </a:t>
+            </a:r>
+            <a:r>
+              <a:rPr lang="fr-FR" sz="3600" dirty="0" err="1"/>
+              <a:t>these</a:t>
+            </a:r>
+            <a:r>
+              <a:rPr lang="fr-FR" sz="3600"/>
+              <a:t> pages </a:t>
+            </a:r>
+            <a:r>
+              <a:rPr lang="fr-FR" sz="3600" dirty="0" err="1"/>
+              <a:t>around</a:t>
+            </a:r>
+            <a:r>
+              <a:rPr lang="fr-FR" sz="3600" dirty="0"/>
+              <a:t> </a:t>
+            </a:r>
+            <a:r>
+              <a:rPr lang="fr-FR" sz="3600" dirty="0" err="1"/>
+              <a:t>you</a:t>
+            </a:r>
+            <a:r>
+              <a:rPr lang="fr-FR" sz="3600" dirty="0"/>
+              <a:t>, </a:t>
+            </a:r>
+            <a:r>
+              <a:rPr lang="fr-FR" sz="3600" dirty="0" err="1"/>
+              <a:t>ask</a:t>
+            </a:r>
+            <a:r>
+              <a:rPr lang="fr-FR" sz="3600" dirty="0"/>
+              <a:t> </a:t>
+            </a:r>
+            <a:r>
+              <a:rPr lang="fr-FR" sz="3600" dirty="0" err="1"/>
+              <a:t>your</a:t>
+            </a:r>
+            <a:r>
+              <a:rPr lang="fr-FR" sz="3600" dirty="0"/>
+              <a:t> </a:t>
+            </a:r>
+            <a:r>
+              <a:rPr lang="fr-FR" sz="3600" dirty="0" err="1"/>
+              <a:t>friends</a:t>
+            </a:r>
+            <a:r>
+              <a:rPr lang="fr-FR" sz="3600" dirty="0"/>
+              <a:t>, kids, </a:t>
+            </a:r>
+            <a:r>
+              <a:rPr lang="fr-FR" sz="3600" dirty="0" err="1"/>
+              <a:t>spouse</a:t>
+            </a:r>
+            <a:r>
+              <a:rPr lang="fr-FR" sz="3600" dirty="0"/>
+              <a:t>, dog </a:t>
+            </a:r>
+            <a:r>
+              <a:rPr lang="fr-FR" sz="3600" dirty="0" err="1"/>
+              <a:t>etc</a:t>
+            </a:r>
+            <a:r>
+              <a:rPr lang="fr-FR" sz="3600" dirty="0"/>
+              <a:t> to </a:t>
+            </a:r>
+            <a:r>
+              <a:rPr lang="fr-FR" sz="3600" dirty="0" err="1"/>
+              <a:t>participate</a:t>
+            </a:r>
+            <a:endParaRPr lang="fr-FR" sz="3600" dirty="0"/>
+          </a:p>
+          <a:p>
+            <a:r>
+              <a:rPr lang="fr-FR" sz="4000" dirty="0" err="1"/>
+              <a:t>Find</a:t>
+            </a:r>
+            <a:r>
+              <a:rPr lang="fr-FR" sz="4000" dirty="0"/>
+              <a:t> out more on 	</a:t>
+            </a:r>
+            <a:r>
+              <a:rPr lang="fr-FR" sz="3200" dirty="0">
+                <a:hlinkClick r:id="rId5"/>
+              </a:rPr>
+              <a:t>https://github.com/GregVial/CoMNIST</a:t>
+            </a:r>
+            <a:endParaRPr lang="fr-FR" sz="3200" dirty="0"/>
+          </a:p>
+          <a:p>
+            <a:pPr lvl="2"/>
+            <a:endParaRPr lang="fr-FR" sz="2400" dirty="0"/>
+          </a:p>
+        </p:txBody>
+      </p:sp>
+    </p:spTree>
+    <p:extLst>
+      <p:ext uri="{BB962C8B-B14F-4D97-AF65-F5344CB8AC3E}">
+        <p14:creationId xmlns:p14="http://schemas.microsoft.com/office/powerpoint/2010/main" val="1580977720"/>
       </p:ext>
     </p:extLst>
   </p:cSld>

--- a/misc/Cyrillic-oriented MNIST.pptx
+++ b/misc/Cyrillic-oriented MNIST.pptx
@@ -3180,6 +3180,38 @@
             <a:pPr lvl="1"/>
             <a:r>
               <a:rPr lang="fr-FR" sz="4000" dirty="0" err="1"/>
+              <a:t>Develop</a:t>
+            </a:r>
+            <a:r>
+              <a:rPr lang="fr-FR" sz="4000" dirty="0"/>
+              <a:t> a hand-</a:t>
+            </a:r>
+            <a:r>
+              <a:rPr lang="fr-FR" sz="4000" dirty="0" err="1"/>
+              <a:t>written</a:t>
+            </a:r>
+            <a:r>
+              <a:rPr lang="fr-FR" sz="4000" dirty="0"/>
+              <a:t> </a:t>
+            </a:r>
+            <a:r>
+              <a:rPr lang="fr-FR" sz="4000" dirty="0" err="1"/>
+              <a:t>text</a:t>
+            </a:r>
+            <a:r>
+              <a:rPr lang="fr-FR" sz="4000" dirty="0"/>
+              <a:t> recognition </a:t>
+            </a:r>
+            <a:r>
+              <a:rPr lang="fr-FR" sz="4000" dirty="0" err="1"/>
+              <a:t>engine</a:t>
+            </a:r>
+            <a:endParaRPr lang="fr-FR" sz="4000" dirty="0"/>
+          </a:p>
+          <a:p>
+            <a:pPr lvl="1"/>
+            <a:r>
+              <a:rPr lang="fr-FR" sz="4000" dirty="0" err="1"/>
               <a:t>Build</a:t>
             </a:r>
             <a:r>
@@ -3194,38 +3226,6 @@
               <a:rPr lang="fr-FR" sz="4000" dirty="0"/>
               <a:t> &amp; latin</a:t>
             </a:r>
-          </a:p>
-          <a:p>
-            <a:pPr lvl="1"/>
-            <a:r>
-              <a:rPr lang="fr-FR" sz="4000" dirty="0" err="1"/>
-              <a:t>Develop</a:t>
-            </a:r>
-            <a:r>
-              <a:rPr lang="fr-FR" sz="4000" dirty="0"/>
-              <a:t> a hand-</a:t>
-            </a:r>
-            <a:r>
-              <a:rPr lang="fr-FR" sz="4000" dirty="0" err="1"/>
-              <a:t>written</a:t>
-            </a:r>
-            <a:r>
-              <a:rPr lang="fr-FR" sz="4000" dirty="0"/>
-              <a:t> </a:t>
-            </a:r>
-            <a:r>
-              <a:rPr lang="fr-FR" sz="4000" dirty="0" err="1"/>
-              <a:t>text</a:t>
-            </a:r>
-            <a:r>
-              <a:rPr lang="fr-FR" sz="4000" dirty="0"/>
-              <a:t> recognition </a:t>
-            </a:r>
-            <a:r>
-              <a:rPr lang="fr-FR" sz="4000" dirty="0" err="1"/>
-              <a:t>engine</a:t>
-            </a:r>
-            <a:endParaRPr lang="fr-FR" sz="2400" dirty="0"/>
           </a:p>
         </p:txBody>
       </p:sp>

--- a/misc/Cyrillic-oriented MNIST.pptx
+++ b/misc/Cyrillic-oriented MNIST.pptx
@@ -246,7 +246,7 @@
           <a:p>
             <a:fld id="{3A152539-D4D6-4211-B619-6D48893475B5}" type="datetimeFigureOut">
               <a:rPr lang="fr-FR" smtClean="0"/>
-              <a:t>14/03/2017</a:t>
+              <a:t>15/03/2017</a:t>
             </a:fld>
             <a:endParaRPr lang="fr-FR"/>
           </a:p>
@@ -416,7 +416,7 @@
           <a:p>
             <a:fld id="{3A152539-D4D6-4211-B619-6D48893475B5}" type="datetimeFigureOut">
               <a:rPr lang="fr-FR" smtClean="0"/>
-              <a:t>14/03/2017</a:t>
+              <a:t>15/03/2017</a:t>
             </a:fld>
             <a:endParaRPr lang="fr-FR"/>
           </a:p>
@@ -596,7 +596,7 @@
           <a:p>
             <a:fld id="{3A152539-D4D6-4211-B619-6D48893475B5}" type="datetimeFigureOut">
               <a:rPr lang="fr-FR" smtClean="0"/>
-              <a:t>14/03/2017</a:t>
+              <a:t>15/03/2017</a:t>
             </a:fld>
             <a:endParaRPr lang="fr-FR"/>
           </a:p>
@@ -766,7 +766,7 @@
           <a:p>
             <a:fld id="{3A152539-D4D6-4211-B619-6D48893475B5}" type="datetimeFigureOut">
               <a:rPr lang="fr-FR" smtClean="0"/>
-              <a:t>14/03/2017</a:t>
+              <a:t>15/03/2017</a:t>
             </a:fld>
             <a:endParaRPr lang="fr-FR"/>
           </a:p>
@@ -1012,7 +1012,7 @@
           <a:p>
             <a:fld id="{3A152539-D4D6-4211-B619-6D48893475B5}" type="datetimeFigureOut">
               <a:rPr lang="fr-FR" smtClean="0"/>
-              <a:t>14/03/2017</a:t>
+              <a:t>15/03/2017</a:t>
             </a:fld>
             <a:endParaRPr lang="fr-FR"/>
           </a:p>
@@ -1244,7 +1244,7 @@
           <a:p>
             <a:fld id="{3A152539-D4D6-4211-B619-6D48893475B5}" type="datetimeFigureOut">
               <a:rPr lang="fr-FR" smtClean="0"/>
-              <a:t>14/03/2017</a:t>
+              <a:t>15/03/2017</a:t>
             </a:fld>
             <a:endParaRPr lang="fr-FR"/>
           </a:p>
@@ -1611,7 +1611,7 @@
           <a:p>
             <a:fld id="{3A152539-D4D6-4211-B619-6D48893475B5}" type="datetimeFigureOut">
               <a:rPr lang="fr-FR" smtClean="0"/>
-              <a:t>14/03/2017</a:t>
+              <a:t>15/03/2017</a:t>
             </a:fld>
             <a:endParaRPr lang="fr-FR"/>
           </a:p>
@@ -1729,7 +1729,7 @@
           <a:p>
             <a:fld id="{3A152539-D4D6-4211-B619-6D48893475B5}" type="datetimeFigureOut">
               <a:rPr lang="fr-FR" smtClean="0"/>
-              <a:t>14/03/2017</a:t>
+              <a:t>15/03/2017</a:t>
             </a:fld>
             <a:endParaRPr lang="fr-FR"/>
           </a:p>
@@ -1824,7 +1824,7 @@
           <a:p>
             <a:fld id="{3A152539-D4D6-4211-B619-6D48893475B5}" type="datetimeFigureOut">
               <a:rPr lang="fr-FR" smtClean="0"/>
-              <a:t>14/03/2017</a:t>
+              <a:t>15/03/2017</a:t>
             </a:fld>
             <a:endParaRPr lang="fr-FR"/>
           </a:p>
@@ -2101,7 +2101,7 @@
           <a:p>
             <a:fld id="{3A152539-D4D6-4211-B619-6D48893475B5}" type="datetimeFigureOut">
               <a:rPr lang="fr-FR" smtClean="0"/>
-              <a:t>14/03/2017</a:t>
+              <a:t>15/03/2017</a:t>
             </a:fld>
             <a:endParaRPr lang="fr-FR"/>
           </a:p>
@@ -2354,7 +2354,7 @@
           <a:p>
             <a:fld id="{3A152539-D4D6-4211-B619-6D48893475B5}" type="datetimeFigureOut">
               <a:rPr lang="fr-FR" smtClean="0"/>
-              <a:t>14/03/2017</a:t>
+              <a:t>15/03/2017</a:t>
             </a:fld>
             <a:endParaRPr lang="fr-FR"/>
           </a:p>
@@ -2567,7 +2567,7 @@
           <a:p>
             <a:fld id="{3A152539-D4D6-4211-B619-6D48893475B5}" type="datetimeFigureOut">
               <a:rPr lang="fr-FR" smtClean="0"/>
-              <a:t>14/03/2017</a:t>
+              <a:t>15/03/2017</a:t>
             </a:fld>
             <a:endParaRPr lang="fr-FR"/>
           </a:p>
@@ -3531,6 +3531,47 @@
           <a:prstGeom prst="rect">
             <a:avLst/>
           </a:prstGeom>
+        </p:spPr>
+      </p:pic>
+      <p:pic>
+        <p:nvPicPr>
+          <p:cNvPr id="1026" name="Picture 2" descr="Data Science Retreat"/>
+          <p:cNvPicPr>
+            <a:picLocks noChangeAspect="1" noChangeArrowheads="1"/>
+          </p:cNvPicPr>
+          <p:nvPr/>
+        </p:nvPicPr>
+        <p:blipFill>
+          <a:blip r:embed="rId3">
+            <a:extLst>
+              <a:ext uri="{28A0092B-C50C-407E-A947-70E740481C1C}">
+                <a14:useLocalDpi xmlns:a14="http://schemas.microsoft.com/office/drawing/2010/main" val="0"/>
+              </a:ext>
+            </a:extLst>
+          </a:blip>
+          <a:srcRect/>
+          <a:stretch>
+            <a:fillRect/>
+          </a:stretch>
+        </p:blipFill>
+        <p:spPr bwMode="auto">
+          <a:xfrm>
+            <a:off x="4497924" y="2557135"/>
+            <a:ext cx="3562103" cy="836695"/>
+          </a:xfrm>
+          <a:prstGeom prst="rect">
+            <a:avLst/>
+          </a:prstGeom>
+          <a:noFill/>
+          <a:extLst>
+            <a:ext uri="{909E8E84-426E-40DD-AFC4-6F175D3DCCD1}">
+              <a14:hiddenFill xmlns:a14="http://schemas.microsoft.com/office/drawing/2010/main">
+                <a:solidFill>
+                  <a:srgbClr val="FFFFFF"/>
+                </a:solidFill>
+              </a14:hiddenFill>
+            </a:ext>
+          </a:extLst>
         </p:spPr>
       </p:pic>
     </p:spTree>

--- a/misc/Cyrillic-oriented MNIST.pptx
+++ b/misc/Cyrillic-oriented MNIST.pptx
@@ -2991,7 +2991,7 @@
         </p:spPr>
         <p:txBody>
           <a:bodyPr vert="horz" lIns="91440" tIns="45720" rIns="91440" bIns="45720" rtlCol="0">
-            <a:normAutofit lnSpcReduction="10000"/>
+            <a:normAutofit/>
           </a:bodyPr>
           <a:lstStyle>
             <a:lvl1pPr marL="228600" indent="-228600" algn="l" defTabSz="914400" rtl="0" eaLnBrk="1" latinLnBrk="0" hangingPunct="1">
@@ -3168,62 +3168,62 @@
               <a:buNone/>
             </a:pPr>
             <a:r>
-              <a:rPr lang="fr-FR" sz="4400" b="1" dirty="0" err="1"/>
+              <a:rPr lang="fr-FR" sz="3800" b="1" dirty="0" err="1"/>
               <a:t>Requirements</a:t>
             </a:r>
             <a:r>
-              <a:rPr lang="fr-FR" sz="4400" b="1" dirty="0"/>
+              <a:rPr lang="fr-FR" sz="3800" b="1" dirty="0"/>
               <a:t>:</a:t>
             </a:r>
           </a:p>
           <a:p>
             <a:pPr lvl="1"/>
             <a:r>
-              <a:rPr lang="fr-FR" sz="4000" dirty="0" err="1"/>
+              <a:rPr lang="fr-FR" sz="3300" dirty="0" err="1"/>
               <a:t>Develop</a:t>
             </a:r>
             <a:r>
-              <a:rPr lang="fr-FR" sz="4000" dirty="0"/>
+              <a:rPr lang="fr-FR" sz="3300" dirty="0"/>
               <a:t> a hand-</a:t>
             </a:r>
             <a:r>
-              <a:rPr lang="fr-FR" sz="4000" dirty="0" err="1"/>
+              <a:rPr lang="fr-FR" sz="3300" dirty="0" err="1"/>
               <a:t>written</a:t>
             </a:r>
             <a:r>
-              <a:rPr lang="fr-FR" sz="4000" dirty="0"/>
+              <a:rPr lang="fr-FR" sz="3300" dirty="0"/>
               <a:t> </a:t>
             </a:r>
             <a:r>
-              <a:rPr lang="fr-FR" sz="4000" dirty="0" err="1"/>
+              <a:rPr lang="fr-FR" sz="3300" dirty="0" err="1"/>
               <a:t>text</a:t>
             </a:r>
             <a:r>
-              <a:rPr lang="fr-FR" sz="4000" dirty="0"/>
+              <a:rPr lang="fr-FR" sz="3300" dirty="0"/>
               <a:t> recognition </a:t>
             </a:r>
             <a:r>
-              <a:rPr lang="fr-FR" sz="4000" dirty="0" err="1"/>
+              <a:rPr lang="fr-FR" sz="3300" dirty="0" err="1"/>
               <a:t>engine</a:t>
             </a:r>
-            <a:endParaRPr lang="fr-FR" sz="4000" dirty="0"/>
+            <a:endParaRPr lang="fr-FR" sz="3300" dirty="0"/>
           </a:p>
           <a:p>
             <a:pPr lvl="1"/>
             <a:r>
-              <a:rPr lang="fr-FR" sz="4000" dirty="0" err="1"/>
+              <a:rPr lang="fr-FR" sz="3300" dirty="0" err="1"/>
               <a:t>Build</a:t>
             </a:r>
             <a:r>
-              <a:rPr lang="fr-FR" sz="4000" dirty="0"/>
+              <a:rPr lang="fr-FR" sz="3300" dirty="0"/>
               <a:t> a version of MNIST for </a:t>
             </a:r>
             <a:r>
-              <a:rPr lang="fr-FR" sz="4000" dirty="0" err="1"/>
+              <a:rPr lang="fr-FR" sz="3300" dirty="0" err="1"/>
               <a:t>cyrillic</a:t>
             </a:r>
             <a:r>
-              <a:rPr lang="fr-FR" sz="4000" dirty="0"/>
+              <a:rPr lang="fr-FR" sz="3300" dirty="0"/>
               <a:t> &amp; latin</a:t>
             </a:r>
           </a:p>
@@ -3241,7 +3241,7 @@
         </p:nvSpPr>
         <p:spPr>
           <a:xfrm>
-            <a:off x="4410002" y="658017"/>
+            <a:off x="3803333" y="658017"/>
             <a:ext cx="6544407" cy="2809081"/>
           </a:xfrm>
         </p:spPr>
@@ -3474,38 +3474,38 @@
               <a:buNone/>
             </a:pPr>
             <a:r>
-              <a:rPr lang="fr-FR" sz="4400" b="1" dirty="0"/>
+              <a:rPr lang="fr-FR" sz="3800" b="1" dirty="0"/>
               <a:t>Objective: </a:t>
             </a:r>
             <a:r>
-              <a:rPr lang="fr-FR" sz="4400" b="1" dirty="0" err="1"/>
+              <a:rPr lang="fr-FR" sz="3800" b="1" dirty="0" err="1"/>
               <a:t>Develop</a:t>
             </a:r>
             <a:r>
-              <a:rPr lang="fr-FR" sz="4400" b="1" dirty="0"/>
+              <a:rPr lang="fr-FR" sz="3800" b="1" dirty="0"/>
               <a:t> an </a:t>
             </a:r>
             <a:r>
-              <a:rPr lang="fr-FR" sz="4400" b="1" dirty="0" err="1"/>
+              <a:rPr lang="fr-FR" sz="3800" b="1" dirty="0" err="1"/>
               <a:t>app</a:t>
             </a:r>
             <a:r>
-              <a:rPr lang="fr-FR" sz="4400" b="1" dirty="0"/>
+              <a:rPr lang="fr-FR" sz="3800" b="1" dirty="0"/>
               <a:t> to </a:t>
             </a:r>
             <a:r>
-              <a:rPr lang="fr-FR" sz="4400" b="1" dirty="0" err="1"/>
+              <a:rPr lang="fr-FR" sz="3800" b="1" dirty="0" err="1"/>
               <a:t>teach</a:t>
             </a:r>
             <a:r>
-              <a:rPr lang="fr-FR" sz="4400" b="1" dirty="0"/>
+              <a:rPr lang="fr-FR" sz="3800" b="1" dirty="0"/>
               <a:t> </a:t>
             </a:r>
             <a:r>
-              <a:rPr lang="fr-FR" sz="4400" b="1" dirty="0" err="1"/>
+              <a:rPr lang="fr-FR" sz="3800" b="1" dirty="0" err="1"/>
               <a:t>Russian</a:t>
             </a:r>
-            <a:endParaRPr lang="fr-FR" sz="4400" b="1" dirty="0"/>
+            <a:endParaRPr lang="fr-FR" sz="3800" b="1" dirty="0"/>
           </a:p>
         </p:txBody>
       </p:sp>
@@ -3525,8 +3525,8 @@
         </p:blipFill>
         <p:spPr>
           <a:xfrm>
-            <a:off x="630620" y="52771"/>
-            <a:ext cx="3091932" cy="3804526"/>
+            <a:off x="630620" y="370703"/>
+            <a:ext cx="2833549" cy="3486594"/>
           </a:xfrm>
           <a:prstGeom prst="rect">
             <a:avLst/>
@@ -3535,14 +3535,16 @@
       </p:pic>
       <p:pic>
         <p:nvPicPr>
-          <p:cNvPr id="1026" name="Picture 2" descr="Data Science Retreat"/>
+          <p:cNvPr id="1026" name="Picture 2" descr="Data Science Retreat">
+            <a:hlinkClick r:id="rId3"/>
+          </p:cNvPr>
           <p:cNvPicPr>
             <a:picLocks noChangeAspect="1" noChangeArrowheads="1"/>
           </p:cNvPicPr>
           <p:nvPr/>
         </p:nvPicPr>
         <p:blipFill>
-          <a:blip r:embed="rId3">
+          <a:blip r:embed="rId4">
             <a:extLst>
               <a:ext uri="{28A0092B-C50C-407E-A947-70E740481C1C}">
                 <a14:useLocalDpi xmlns:a14="http://schemas.microsoft.com/office/drawing/2010/main" val="0"/>
@@ -3572,6 +3574,30 @@
               </a14:hiddenFill>
             </a:ext>
           </a:extLst>
+        </p:spPr>
+      </p:pic>
+      <p:pic>
+        <p:nvPicPr>
+          <p:cNvPr id="3" name="Picture 2"/>
+          <p:cNvPicPr>
+            <a:picLocks noChangeAspect="1"/>
+          </p:cNvPicPr>
+          <p:nvPr/>
+        </p:nvPicPr>
+        <p:blipFill>
+          <a:blip r:embed="rId5"/>
+          <a:stretch>
+            <a:fillRect/>
+          </a:stretch>
+        </p:blipFill>
+        <p:spPr>
+          <a:xfrm>
+            <a:off x="9425355" y="925203"/>
+            <a:ext cx="2599593" cy="5404045"/>
+          </a:xfrm>
+          <a:prstGeom prst="rect">
+            <a:avLst/>
+          </a:prstGeom>
         </p:spPr>
       </p:pic>
     </p:spTree>
@@ -3650,7 +3676,7 @@
                             </p:stCondLst>
                             <p:childTnLst>
                               <p:par>
-                                <p:cTn id="9" presetID="1" presetClass="entr" presetSubtype="0" fill="hold" grpId="0" nodeType="clickEffect">
+                                <p:cTn id="9" presetID="1" presetClass="entr" presetSubtype="0" fill="hold" nodeType="clickEffect">
                                   <p:stCondLst>
                                     <p:cond delay="0"/>
                                   </p:stCondLst>
@@ -3658,6 +3684,51 @@
                                     <p:set>
                                       <p:cBhvr>
                                         <p:cTn id="10" dur="1" fill="hold">
+                                          <p:stCondLst>
+                                            <p:cond delay="0"/>
+                                          </p:stCondLst>
+                                        </p:cTn>
+                                        <p:tgtEl>
+                                          <p:spTgt spid="3"/>
+                                        </p:tgtEl>
+                                        <p:attrNameLst>
+                                          <p:attrName>style.visibility</p:attrName>
+                                        </p:attrNameLst>
+                                      </p:cBhvr>
+                                      <p:to>
+                                        <p:strVal val="visible"/>
+                                      </p:to>
+                                    </p:set>
+                                  </p:childTnLst>
+                                </p:cTn>
+                              </p:par>
+                            </p:childTnLst>
+                          </p:cTn>
+                        </p:par>
+                      </p:childTnLst>
+                    </p:cTn>
+                  </p:par>
+                  <p:par>
+                    <p:cTn id="11" fill="hold">
+                      <p:stCondLst>
+                        <p:cond delay="indefinite"/>
+                      </p:stCondLst>
+                      <p:childTnLst>
+                        <p:par>
+                          <p:cTn id="12" fill="hold">
+                            <p:stCondLst>
+                              <p:cond delay="0"/>
+                            </p:stCondLst>
+                            <p:childTnLst>
+                              <p:par>
+                                <p:cTn id="13" presetID="1" presetClass="entr" presetSubtype="0" fill="hold" grpId="0" nodeType="clickEffect">
+                                  <p:stCondLst>
+                                    <p:cond delay="0"/>
+                                  </p:stCondLst>
+                                  <p:childTnLst>
+                                    <p:set>
+                                      <p:cBhvr>
+                                        <p:cTn id="14" dur="1" fill="hold">
                                           <p:stCondLst>
                                             <p:cond delay="0"/>
                                           </p:stCondLst>
@@ -3792,14 +3863,16 @@
       </p:pic>
       <p:pic>
         <p:nvPicPr>
-          <p:cNvPr id="3" name="Picture 2"/>
+          <p:cNvPr id="3" name="Picture 2">
+            <a:hlinkClick r:id="rId3"/>
+          </p:cNvPr>
           <p:cNvPicPr>
             <a:picLocks noChangeAspect="1"/>
           </p:cNvPicPr>
           <p:nvPr/>
         </p:nvPicPr>
         <p:blipFill>
-          <a:blip r:embed="rId3"/>
+          <a:blip r:embed="rId4"/>
           <a:stretch>
             <a:fillRect/>
           </a:stretch>
@@ -3888,7 +3961,7 @@
           <p:nvPr/>
         </p:nvPicPr>
         <p:blipFill>
-          <a:blip r:embed="rId4">
+          <a:blip r:embed="rId5">
             <a:extLst>
               <a:ext uri="{28A0092B-C50C-407E-A947-70E740481C1C}">
                 <a14:useLocalDpi xmlns:a14="http://schemas.microsoft.com/office/drawing/2010/main" val="0"/>
@@ -4119,7 +4192,7 @@
             <p:nvPr/>
           </p:nvPicPr>
           <p:blipFill>
-            <a:blip r:embed="rId5"/>
+            <a:blip r:embed="rId6"/>
             <a:stretch>
               <a:fillRect/>
             </a:stretch>
@@ -4252,7 +4325,7 @@
           <p:nvPr/>
         </p:nvPicPr>
         <p:blipFill>
-          <a:blip r:embed="rId6">
+          <a:blip r:embed="rId7">
             <a:extLst>
               <a:ext uri="{28A0092B-C50C-407E-A947-70E740481C1C}">
                 <a14:useLocalDpi xmlns:a14="http://schemas.microsoft.com/office/drawing/2010/main" val="0"/>
@@ -4366,7 +4439,7 @@
           <p:nvPr/>
         </p:nvPicPr>
         <p:blipFill>
-          <a:blip r:embed="rId7">
+          <a:blip r:embed="rId8">
             <a:extLst>
               <a:ext uri="{28A0092B-C50C-407E-A947-70E740481C1C}">
                 <a14:useLocalDpi xmlns:a14="http://schemas.microsoft.com/office/drawing/2010/main" val="0"/>
